--- a/figures/figure_components/figure5.pptx
+++ b/figures/figure_components/figure5.pptx
@@ -2,19 +2,19 @@
 <file path=ppt/presentation.xml><?xml version="1.0" encoding="utf-8"?>
 <p:presentation xmlns:a="http://schemas.openxmlformats.org/drawingml/2006/main" xmlns:r="http://schemas.openxmlformats.org/officeDocument/2006/relationships" xmlns:p="http://schemas.openxmlformats.org/presentationml/2006/main" saveSubsetFonts="1" autoCompressPictures="0">
   <p:sldMasterIdLst>
-    <p:sldMasterId id="2147483660" r:id="rId1"/>
+    <p:sldMasterId id="2147483696" r:id="rId1"/>
   </p:sldMasterIdLst>
   <p:sldIdLst>
     <p:sldId id="256" r:id="rId2"/>
   </p:sldIdLst>
-  <p:sldSz cx="10058400" cy="6400800"/>
+  <p:sldSz cx="10287000" cy="5486400"/>
   <p:notesSz cx="6858000" cy="9144000"/>
   <p:defaultTextStyle>
     <a:defPPr>
       <a:defRPr lang="en-US"/>
     </a:defPPr>
-    <a:lvl1pPr marL="0" algn="l" defTabSz="790042" rtl="0" eaLnBrk="1" latinLnBrk="0" hangingPunct="1">
-      <a:defRPr sz="1555" kern="1200">
+    <a:lvl1pPr marL="0" algn="l" defTabSz="768052" rtl="0" eaLnBrk="1" latinLnBrk="0" hangingPunct="1">
+      <a:defRPr sz="1512" kern="1200">
         <a:solidFill>
           <a:schemeClr val="tx1"/>
         </a:solidFill>
@@ -23,8 +23,8 @@
         <a:cs typeface="+mn-cs"/>
       </a:defRPr>
     </a:lvl1pPr>
-    <a:lvl2pPr marL="395021" algn="l" defTabSz="790042" rtl="0" eaLnBrk="1" latinLnBrk="0" hangingPunct="1">
-      <a:defRPr sz="1555" kern="1200">
+    <a:lvl2pPr marL="384026" algn="l" defTabSz="768052" rtl="0" eaLnBrk="1" latinLnBrk="0" hangingPunct="1">
+      <a:defRPr sz="1512" kern="1200">
         <a:solidFill>
           <a:schemeClr val="tx1"/>
         </a:solidFill>
@@ -33,8 +33,8 @@
         <a:cs typeface="+mn-cs"/>
       </a:defRPr>
     </a:lvl2pPr>
-    <a:lvl3pPr marL="790042" algn="l" defTabSz="790042" rtl="0" eaLnBrk="1" latinLnBrk="0" hangingPunct="1">
-      <a:defRPr sz="1555" kern="1200">
+    <a:lvl3pPr marL="768052" algn="l" defTabSz="768052" rtl="0" eaLnBrk="1" latinLnBrk="0" hangingPunct="1">
+      <a:defRPr sz="1512" kern="1200">
         <a:solidFill>
           <a:schemeClr val="tx1"/>
         </a:solidFill>
@@ -43,8 +43,8 @@
         <a:cs typeface="+mn-cs"/>
       </a:defRPr>
     </a:lvl3pPr>
-    <a:lvl4pPr marL="1185062" algn="l" defTabSz="790042" rtl="0" eaLnBrk="1" latinLnBrk="0" hangingPunct="1">
-      <a:defRPr sz="1555" kern="1200">
+    <a:lvl4pPr marL="1152078" algn="l" defTabSz="768052" rtl="0" eaLnBrk="1" latinLnBrk="0" hangingPunct="1">
+      <a:defRPr sz="1512" kern="1200">
         <a:solidFill>
           <a:schemeClr val="tx1"/>
         </a:solidFill>
@@ -53,8 +53,8 @@
         <a:cs typeface="+mn-cs"/>
       </a:defRPr>
     </a:lvl4pPr>
-    <a:lvl5pPr marL="1580083" algn="l" defTabSz="790042" rtl="0" eaLnBrk="1" latinLnBrk="0" hangingPunct="1">
-      <a:defRPr sz="1555" kern="1200">
+    <a:lvl5pPr marL="1536105" algn="l" defTabSz="768052" rtl="0" eaLnBrk="1" latinLnBrk="0" hangingPunct="1">
+      <a:defRPr sz="1512" kern="1200">
         <a:solidFill>
           <a:schemeClr val="tx1"/>
         </a:solidFill>
@@ -63,8 +63,8 @@
         <a:cs typeface="+mn-cs"/>
       </a:defRPr>
     </a:lvl5pPr>
-    <a:lvl6pPr marL="1975104" algn="l" defTabSz="790042" rtl="0" eaLnBrk="1" latinLnBrk="0" hangingPunct="1">
-      <a:defRPr sz="1555" kern="1200">
+    <a:lvl6pPr marL="1920130" algn="l" defTabSz="768052" rtl="0" eaLnBrk="1" latinLnBrk="0" hangingPunct="1">
+      <a:defRPr sz="1512" kern="1200">
         <a:solidFill>
           <a:schemeClr val="tx1"/>
         </a:solidFill>
@@ -73,8 +73,8 @@
         <a:cs typeface="+mn-cs"/>
       </a:defRPr>
     </a:lvl6pPr>
-    <a:lvl7pPr marL="2370125" algn="l" defTabSz="790042" rtl="0" eaLnBrk="1" latinLnBrk="0" hangingPunct="1">
-      <a:defRPr sz="1555" kern="1200">
+    <a:lvl7pPr marL="2304156" algn="l" defTabSz="768052" rtl="0" eaLnBrk="1" latinLnBrk="0" hangingPunct="1">
+      <a:defRPr sz="1512" kern="1200">
         <a:solidFill>
           <a:schemeClr val="tx1"/>
         </a:solidFill>
@@ -83,8 +83,8 @@
         <a:cs typeface="+mn-cs"/>
       </a:defRPr>
     </a:lvl7pPr>
-    <a:lvl8pPr marL="2765146" algn="l" defTabSz="790042" rtl="0" eaLnBrk="1" latinLnBrk="0" hangingPunct="1">
-      <a:defRPr sz="1555" kern="1200">
+    <a:lvl8pPr marL="2688183" algn="l" defTabSz="768052" rtl="0" eaLnBrk="1" latinLnBrk="0" hangingPunct="1">
+      <a:defRPr sz="1512" kern="1200">
         <a:solidFill>
           <a:schemeClr val="tx1"/>
         </a:solidFill>
@@ -93,8 +93,8 @@
         <a:cs typeface="+mn-cs"/>
       </a:defRPr>
     </a:lvl8pPr>
-    <a:lvl9pPr marL="3160166" algn="l" defTabSz="790042" rtl="0" eaLnBrk="1" latinLnBrk="0" hangingPunct="1">
-      <a:defRPr sz="1555" kern="1200">
+    <a:lvl9pPr marL="3072208" algn="l" defTabSz="768052" rtl="0" eaLnBrk="1" latinLnBrk="0" hangingPunct="1">
+      <a:defRPr sz="1512" kern="1200">
         <a:solidFill>
           <a:schemeClr val="tx1"/>
         </a:solidFill>
@@ -104,11 +104,6 @@
       </a:defRPr>
     </a:lvl9pPr>
   </p:defaultTextStyle>
-  <p:extLst>
-    <p:ext uri="{EFAFB233-063F-42B5-8137-9DF3F51BA10A}">
-      <p15:sldGuideLst xmlns:p15="http://schemas.microsoft.com/office/powerpoint/2012/main"/>
-    </p:ext>
-  </p:extLst>
 </p:presentation>
 </file>
 
@@ -141,15 +136,15 @@
         </p:nvSpPr>
         <p:spPr>
           <a:xfrm>
-            <a:off x="1257300" y="1047539"/>
-            <a:ext cx="7543800" cy="2228427"/>
+            <a:off x="1285875" y="897890"/>
+            <a:ext cx="7715250" cy="1910080"/>
           </a:xfrm>
         </p:spPr>
         <p:txBody>
           <a:bodyPr anchor="b"/>
           <a:lstStyle>
             <a:lvl1pPr algn="ctr">
-              <a:defRPr sz="4950"/>
+              <a:defRPr sz="4800"/>
             </a:lvl1pPr>
           </a:lstStyle>
           <a:p>
@@ -173,8 +168,8 @@
         </p:nvSpPr>
         <p:spPr>
           <a:xfrm>
-            <a:off x="1257300" y="3361902"/>
-            <a:ext cx="7543800" cy="1545378"/>
+            <a:off x="1285875" y="2881630"/>
+            <a:ext cx="7715250" cy="1324610"/>
           </a:xfrm>
         </p:spPr>
         <p:txBody>
@@ -182,39 +177,39 @@
           <a:lstStyle>
             <a:lvl1pPr marL="0" indent="0" algn="ctr">
               <a:buNone/>
-              <a:defRPr sz="1980"/>
+              <a:defRPr sz="1920"/>
             </a:lvl1pPr>
-            <a:lvl2pPr marL="377190" indent="0" algn="ctr">
-              <a:buNone/>
-              <a:defRPr sz="1650"/>
+            <a:lvl2pPr marL="365760" indent="0" algn="ctr">
+              <a:buNone/>
+              <a:defRPr sz="1600"/>
             </a:lvl2pPr>
-            <a:lvl3pPr marL="754380" indent="0" algn="ctr">
-              <a:buNone/>
-              <a:defRPr sz="1485"/>
+            <a:lvl3pPr marL="731520" indent="0" algn="ctr">
+              <a:buNone/>
+              <a:defRPr sz="1440"/>
             </a:lvl3pPr>
-            <a:lvl4pPr marL="1131570" indent="0" algn="ctr">
-              <a:buNone/>
-              <a:defRPr sz="1320"/>
+            <a:lvl4pPr marL="1097280" indent="0" algn="ctr">
+              <a:buNone/>
+              <a:defRPr sz="1280"/>
             </a:lvl4pPr>
-            <a:lvl5pPr marL="1508760" indent="0" algn="ctr">
-              <a:buNone/>
-              <a:defRPr sz="1320"/>
+            <a:lvl5pPr marL="1463040" indent="0" algn="ctr">
+              <a:buNone/>
+              <a:defRPr sz="1280"/>
             </a:lvl5pPr>
-            <a:lvl6pPr marL="1885950" indent="0" algn="ctr">
-              <a:buNone/>
-              <a:defRPr sz="1320"/>
+            <a:lvl6pPr marL="1828800" indent="0" algn="ctr">
+              <a:buNone/>
+              <a:defRPr sz="1280"/>
             </a:lvl6pPr>
-            <a:lvl7pPr marL="2263140" indent="0" algn="ctr">
-              <a:buNone/>
-              <a:defRPr sz="1320"/>
+            <a:lvl7pPr marL="2194560" indent="0" algn="ctr">
+              <a:buNone/>
+              <a:defRPr sz="1280"/>
             </a:lvl7pPr>
-            <a:lvl8pPr marL="2640330" indent="0" algn="ctr">
-              <a:buNone/>
-              <a:defRPr sz="1320"/>
+            <a:lvl8pPr marL="2560320" indent="0" algn="ctr">
+              <a:buNone/>
+              <a:defRPr sz="1280"/>
             </a:lvl8pPr>
-            <a:lvl9pPr marL="3017520" indent="0" algn="ctr">
-              <a:buNone/>
-              <a:defRPr sz="1320"/>
+            <a:lvl9pPr marL="2926080" indent="0" algn="ctr">
+              <a:buNone/>
+              <a:defRPr sz="1280"/>
             </a:lvl9pPr>
           </a:lstStyle>
           <a:p>
@@ -241,9 +236,9 @@
           <a:bodyPr/>
           <a:lstStyle/>
           <a:p>
-            <a:fld id="{55C48555-5C1B-394F-AB41-C753F83C5FA8}" type="datetimeFigureOut">
+            <a:fld id="{7B537CA4-E614-924F-B64D-30E6D54E5167}" type="datetimeFigureOut">
               <a:rPr lang="en-US" smtClean="0"/>
-              <a:t>9/11/20</a:t>
+              <a:t>9/30/20</a:t>
             </a:fld>
             <a:endParaRPr lang="en-US"/>
           </a:p>
@@ -283,7 +278,7 @@
           <a:bodyPr/>
           <a:lstStyle/>
           <a:p>
-            <a:fld id="{22483484-A61A-904E-9A1D-D704FCD83109}" type="slidenum">
+            <a:fld id="{C84EAF6E-1079-5142-8CA0-54190AC77301}" type="slidenum">
               <a:rPr lang="en-US" smtClean="0"/>
               <a:t>‹#›</a:t>
             </a:fld>
@@ -294,7 +289,7 @@
     </p:spTree>
     <p:extLst>
       <p:ext uri="{BB962C8B-B14F-4D97-AF65-F5344CB8AC3E}">
-        <p14:creationId xmlns:p14="http://schemas.microsoft.com/office/powerpoint/2010/main" val="639479672"/>
+        <p14:creationId xmlns:p14="http://schemas.microsoft.com/office/powerpoint/2010/main" val="3992548101"/>
       </p:ext>
     </p:extLst>
   </p:cSld>
@@ -411,9 +406,9 @@
           <a:bodyPr/>
           <a:lstStyle/>
           <a:p>
-            <a:fld id="{55C48555-5C1B-394F-AB41-C753F83C5FA8}" type="datetimeFigureOut">
+            <a:fld id="{7B537CA4-E614-924F-B64D-30E6D54E5167}" type="datetimeFigureOut">
               <a:rPr lang="en-US" smtClean="0"/>
-              <a:t>9/11/20</a:t>
+              <a:t>9/30/20</a:t>
             </a:fld>
             <a:endParaRPr lang="en-US"/>
           </a:p>
@@ -453,7 +448,7 @@
           <a:bodyPr/>
           <a:lstStyle/>
           <a:p>
-            <a:fld id="{22483484-A61A-904E-9A1D-D704FCD83109}" type="slidenum">
+            <a:fld id="{C84EAF6E-1079-5142-8CA0-54190AC77301}" type="slidenum">
               <a:rPr lang="en-US" smtClean="0"/>
               <a:t>‹#›</a:t>
             </a:fld>
@@ -464,7 +459,7 @@
     </p:spTree>
     <p:extLst>
       <p:ext uri="{BB962C8B-B14F-4D97-AF65-F5344CB8AC3E}">
-        <p14:creationId xmlns:p14="http://schemas.microsoft.com/office/powerpoint/2010/main" val="496620731"/>
+        <p14:creationId xmlns:p14="http://schemas.microsoft.com/office/powerpoint/2010/main" val="481446187"/>
       </p:ext>
     </p:extLst>
   </p:cSld>
@@ -503,8 +498,8 @@
         </p:nvSpPr>
         <p:spPr>
           <a:xfrm>
-            <a:off x="7198042" y="340783"/>
-            <a:ext cx="2168843" cy="5424382"/>
+            <a:off x="7361635" y="292100"/>
+            <a:ext cx="2218134" cy="4649470"/>
           </a:xfrm>
         </p:spPr>
         <p:txBody>
@@ -531,8 +526,8 @@
         </p:nvSpPr>
         <p:spPr>
           <a:xfrm>
-            <a:off x="691515" y="340783"/>
-            <a:ext cx="6380798" cy="5424382"/>
+            <a:off x="707231" y="292100"/>
+            <a:ext cx="6525816" cy="4649470"/>
           </a:xfrm>
         </p:spPr>
         <p:txBody>
@@ -591,9 +586,9 @@
           <a:bodyPr/>
           <a:lstStyle/>
           <a:p>
-            <a:fld id="{55C48555-5C1B-394F-AB41-C753F83C5FA8}" type="datetimeFigureOut">
+            <a:fld id="{7B537CA4-E614-924F-B64D-30E6D54E5167}" type="datetimeFigureOut">
               <a:rPr lang="en-US" smtClean="0"/>
-              <a:t>9/11/20</a:t>
+              <a:t>9/30/20</a:t>
             </a:fld>
             <a:endParaRPr lang="en-US"/>
           </a:p>
@@ -633,7 +628,7 @@
           <a:bodyPr/>
           <a:lstStyle/>
           <a:p>
-            <a:fld id="{22483484-A61A-904E-9A1D-D704FCD83109}" type="slidenum">
+            <a:fld id="{C84EAF6E-1079-5142-8CA0-54190AC77301}" type="slidenum">
               <a:rPr lang="en-US" smtClean="0"/>
               <a:t>‹#›</a:t>
             </a:fld>
@@ -644,7 +639,7 @@
     </p:spTree>
     <p:extLst>
       <p:ext uri="{BB962C8B-B14F-4D97-AF65-F5344CB8AC3E}">
-        <p14:creationId xmlns:p14="http://schemas.microsoft.com/office/powerpoint/2010/main" val="1654185029"/>
+        <p14:creationId xmlns:p14="http://schemas.microsoft.com/office/powerpoint/2010/main" val="3846480347"/>
       </p:ext>
     </p:extLst>
   </p:cSld>
@@ -761,9 +756,9 @@
           <a:bodyPr/>
           <a:lstStyle/>
           <a:p>
-            <a:fld id="{55C48555-5C1B-394F-AB41-C753F83C5FA8}" type="datetimeFigureOut">
+            <a:fld id="{7B537CA4-E614-924F-B64D-30E6D54E5167}" type="datetimeFigureOut">
               <a:rPr lang="en-US" smtClean="0"/>
-              <a:t>9/11/20</a:t>
+              <a:t>9/30/20</a:t>
             </a:fld>
             <a:endParaRPr lang="en-US"/>
           </a:p>
@@ -803,7 +798,7 @@
           <a:bodyPr/>
           <a:lstStyle/>
           <a:p>
-            <a:fld id="{22483484-A61A-904E-9A1D-D704FCD83109}" type="slidenum">
+            <a:fld id="{C84EAF6E-1079-5142-8CA0-54190AC77301}" type="slidenum">
               <a:rPr lang="en-US" smtClean="0"/>
               <a:t>‹#›</a:t>
             </a:fld>
@@ -814,7 +809,7 @@
     </p:spTree>
     <p:extLst>
       <p:ext uri="{BB962C8B-B14F-4D97-AF65-F5344CB8AC3E}">
-        <p14:creationId xmlns:p14="http://schemas.microsoft.com/office/powerpoint/2010/main" val="2696948428"/>
+        <p14:creationId xmlns:p14="http://schemas.microsoft.com/office/powerpoint/2010/main" val="4045898074"/>
       </p:ext>
     </p:extLst>
   </p:cSld>
@@ -853,15 +848,15 @@
         </p:nvSpPr>
         <p:spPr>
           <a:xfrm>
-            <a:off x="686276" y="1595756"/>
-            <a:ext cx="8675370" cy="2662555"/>
+            <a:off x="701873" y="1367791"/>
+            <a:ext cx="8872538" cy="2282190"/>
           </a:xfrm>
         </p:spPr>
         <p:txBody>
           <a:bodyPr anchor="b"/>
           <a:lstStyle>
             <a:lvl1pPr>
-              <a:defRPr sz="4950"/>
+              <a:defRPr sz="4800"/>
             </a:lvl1pPr>
           </a:lstStyle>
           <a:p>
@@ -885,8 +880,8 @@
         </p:nvSpPr>
         <p:spPr>
           <a:xfrm>
-            <a:off x="686276" y="4283499"/>
-            <a:ext cx="8675370" cy="1400175"/>
+            <a:off x="701873" y="3671571"/>
+            <a:ext cx="8872538" cy="1200150"/>
           </a:xfrm>
         </p:spPr>
         <p:txBody>
@@ -894,7 +889,7 @@
           <a:lstStyle>
             <a:lvl1pPr marL="0" indent="0">
               <a:buNone/>
-              <a:defRPr sz="1980">
+              <a:defRPr sz="1920">
                 <a:solidFill>
                   <a:schemeClr val="tx1">
                     <a:tint val="75000"/>
@@ -902,9 +897,9 @@
                 </a:solidFill>
               </a:defRPr>
             </a:lvl1pPr>
-            <a:lvl2pPr marL="377190" indent="0">
-              <a:buNone/>
-              <a:defRPr sz="1650">
+            <a:lvl2pPr marL="365760" indent="0">
+              <a:buNone/>
+              <a:defRPr sz="1600">
                 <a:solidFill>
                   <a:schemeClr val="tx1">
                     <a:tint val="75000"/>
@@ -912,9 +907,9 @@
                 </a:solidFill>
               </a:defRPr>
             </a:lvl2pPr>
-            <a:lvl3pPr marL="754380" indent="0">
-              <a:buNone/>
-              <a:defRPr sz="1485">
+            <a:lvl3pPr marL="731520" indent="0">
+              <a:buNone/>
+              <a:defRPr sz="1440">
                 <a:solidFill>
                   <a:schemeClr val="tx1">
                     <a:tint val="75000"/>
@@ -922,9 +917,9 @@
                 </a:solidFill>
               </a:defRPr>
             </a:lvl3pPr>
-            <a:lvl4pPr marL="1131570" indent="0">
-              <a:buNone/>
-              <a:defRPr sz="1320">
+            <a:lvl4pPr marL="1097280" indent="0">
+              <a:buNone/>
+              <a:defRPr sz="1280">
                 <a:solidFill>
                   <a:schemeClr val="tx1">
                     <a:tint val="75000"/>
@@ -932,9 +927,9 @@
                 </a:solidFill>
               </a:defRPr>
             </a:lvl4pPr>
-            <a:lvl5pPr marL="1508760" indent="0">
-              <a:buNone/>
-              <a:defRPr sz="1320">
+            <a:lvl5pPr marL="1463040" indent="0">
+              <a:buNone/>
+              <a:defRPr sz="1280">
                 <a:solidFill>
                   <a:schemeClr val="tx1">
                     <a:tint val="75000"/>
@@ -942,9 +937,9 @@
                 </a:solidFill>
               </a:defRPr>
             </a:lvl5pPr>
-            <a:lvl6pPr marL="1885950" indent="0">
-              <a:buNone/>
-              <a:defRPr sz="1320">
+            <a:lvl6pPr marL="1828800" indent="0">
+              <a:buNone/>
+              <a:defRPr sz="1280">
                 <a:solidFill>
                   <a:schemeClr val="tx1">
                     <a:tint val="75000"/>
@@ -952,9 +947,9 @@
                 </a:solidFill>
               </a:defRPr>
             </a:lvl6pPr>
-            <a:lvl7pPr marL="2263140" indent="0">
-              <a:buNone/>
-              <a:defRPr sz="1320">
+            <a:lvl7pPr marL="2194560" indent="0">
+              <a:buNone/>
+              <a:defRPr sz="1280">
                 <a:solidFill>
                   <a:schemeClr val="tx1">
                     <a:tint val="75000"/>
@@ -962,9 +957,9 @@
                 </a:solidFill>
               </a:defRPr>
             </a:lvl7pPr>
-            <a:lvl8pPr marL="2640330" indent="0">
-              <a:buNone/>
-              <a:defRPr sz="1320">
+            <a:lvl8pPr marL="2560320" indent="0">
+              <a:buNone/>
+              <a:defRPr sz="1280">
                 <a:solidFill>
                   <a:schemeClr val="tx1">
                     <a:tint val="75000"/>
@@ -972,9 +967,9 @@
                 </a:solidFill>
               </a:defRPr>
             </a:lvl8pPr>
-            <a:lvl9pPr marL="3017520" indent="0">
-              <a:buNone/>
-              <a:defRPr sz="1320">
+            <a:lvl9pPr marL="2926080" indent="0">
+              <a:buNone/>
+              <a:defRPr sz="1280">
                 <a:solidFill>
                   <a:schemeClr val="tx1">
                     <a:tint val="75000"/>
@@ -1007,9 +1002,9 @@
           <a:bodyPr/>
           <a:lstStyle/>
           <a:p>
-            <a:fld id="{55C48555-5C1B-394F-AB41-C753F83C5FA8}" type="datetimeFigureOut">
+            <a:fld id="{7B537CA4-E614-924F-B64D-30E6D54E5167}" type="datetimeFigureOut">
               <a:rPr lang="en-US" smtClean="0"/>
-              <a:t>9/11/20</a:t>
+              <a:t>9/30/20</a:t>
             </a:fld>
             <a:endParaRPr lang="en-US"/>
           </a:p>
@@ -1049,7 +1044,7 @@
           <a:bodyPr/>
           <a:lstStyle/>
           <a:p>
-            <a:fld id="{22483484-A61A-904E-9A1D-D704FCD83109}" type="slidenum">
+            <a:fld id="{C84EAF6E-1079-5142-8CA0-54190AC77301}" type="slidenum">
               <a:rPr lang="en-US" smtClean="0"/>
               <a:t>‹#›</a:t>
             </a:fld>
@@ -1060,7 +1055,7 @@
     </p:spTree>
     <p:extLst>
       <p:ext uri="{BB962C8B-B14F-4D97-AF65-F5344CB8AC3E}">
-        <p14:creationId xmlns:p14="http://schemas.microsoft.com/office/powerpoint/2010/main" val="1102370560"/>
+        <p14:creationId xmlns:p14="http://schemas.microsoft.com/office/powerpoint/2010/main" val="1013909105"/>
       </p:ext>
     </p:extLst>
   </p:cSld>
@@ -1122,8 +1117,8 @@
         </p:nvSpPr>
         <p:spPr>
           <a:xfrm>
-            <a:off x="691515" y="1703917"/>
-            <a:ext cx="4274820" cy="4061249"/>
+            <a:off x="707231" y="1460500"/>
+            <a:ext cx="4371975" cy="3481070"/>
           </a:xfrm>
         </p:spPr>
         <p:txBody>
@@ -1179,8 +1174,8 @@
         </p:nvSpPr>
         <p:spPr>
           <a:xfrm>
-            <a:off x="5092065" y="1703917"/>
-            <a:ext cx="4274820" cy="4061249"/>
+            <a:off x="5207794" y="1460500"/>
+            <a:ext cx="4371975" cy="3481070"/>
           </a:xfrm>
         </p:spPr>
         <p:txBody>
@@ -1239,9 +1234,9 @@
           <a:bodyPr/>
           <a:lstStyle/>
           <a:p>
-            <a:fld id="{55C48555-5C1B-394F-AB41-C753F83C5FA8}" type="datetimeFigureOut">
+            <a:fld id="{7B537CA4-E614-924F-B64D-30E6D54E5167}" type="datetimeFigureOut">
               <a:rPr lang="en-US" smtClean="0"/>
-              <a:t>9/11/20</a:t>
+              <a:t>9/30/20</a:t>
             </a:fld>
             <a:endParaRPr lang="en-US"/>
           </a:p>
@@ -1281,7 +1276,7 @@
           <a:bodyPr/>
           <a:lstStyle/>
           <a:p>
-            <a:fld id="{22483484-A61A-904E-9A1D-D704FCD83109}" type="slidenum">
+            <a:fld id="{C84EAF6E-1079-5142-8CA0-54190AC77301}" type="slidenum">
               <a:rPr lang="en-US" smtClean="0"/>
               <a:t>‹#›</a:t>
             </a:fld>
@@ -1292,7 +1287,7 @@
     </p:spTree>
     <p:extLst>
       <p:ext uri="{BB962C8B-B14F-4D97-AF65-F5344CB8AC3E}">
-        <p14:creationId xmlns:p14="http://schemas.microsoft.com/office/powerpoint/2010/main" val="1076441220"/>
+        <p14:creationId xmlns:p14="http://schemas.microsoft.com/office/powerpoint/2010/main" val="175868658"/>
       </p:ext>
     </p:extLst>
   </p:cSld>
@@ -1331,8 +1326,8 @@
         </p:nvSpPr>
         <p:spPr>
           <a:xfrm>
-            <a:off x="692825" y="340784"/>
-            <a:ext cx="8675370" cy="1237192"/>
+            <a:off x="708571" y="292101"/>
+            <a:ext cx="8872538" cy="1060450"/>
           </a:xfrm>
         </p:spPr>
         <p:txBody>
@@ -1359,8 +1354,8 @@
         </p:nvSpPr>
         <p:spPr>
           <a:xfrm>
-            <a:off x="692826" y="1569085"/>
-            <a:ext cx="4255174" cy="768985"/>
+            <a:off x="708571" y="1344930"/>
+            <a:ext cx="4351883" cy="659130"/>
           </a:xfrm>
         </p:spPr>
         <p:txBody>
@@ -1368,39 +1363,39 @@
           <a:lstStyle>
             <a:lvl1pPr marL="0" indent="0">
               <a:buNone/>
-              <a:defRPr sz="1980" b="1"/>
+              <a:defRPr sz="1920" b="1"/>
             </a:lvl1pPr>
-            <a:lvl2pPr marL="377190" indent="0">
-              <a:buNone/>
-              <a:defRPr sz="1650" b="1"/>
+            <a:lvl2pPr marL="365760" indent="0">
+              <a:buNone/>
+              <a:defRPr sz="1600" b="1"/>
             </a:lvl2pPr>
-            <a:lvl3pPr marL="754380" indent="0">
-              <a:buNone/>
-              <a:defRPr sz="1485" b="1"/>
+            <a:lvl3pPr marL="731520" indent="0">
+              <a:buNone/>
+              <a:defRPr sz="1440" b="1"/>
             </a:lvl3pPr>
-            <a:lvl4pPr marL="1131570" indent="0">
-              <a:buNone/>
-              <a:defRPr sz="1320" b="1"/>
+            <a:lvl4pPr marL="1097280" indent="0">
+              <a:buNone/>
+              <a:defRPr sz="1280" b="1"/>
             </a:lvl4pPr>
-            <a:lvl5pPr marL="1508760" indent="0">
-              <a:buNone/>
-              <a:defRPr sz="1320" b="1"/>
+            <a:lvl5pPr marL="1463040" indent="0">
+              <a:buNone/>
+              <a:defRPr sz="1280" b="1"/>
             </a:lvl5pPr>
-            <a:lvl6pPr marL="1885950" indent="0">
-              <a:buNone/>
-              <a:defRPr sz="1320" b="1"/>
+            <a:lvl6pPr marL="1828800" indent="0">
+              <a:buNone/>
+              <a:defRPr sz="1280" b="1"/>
             </a:lvl6pPr>
-            <a:lvl7pPr marL="2263140" indent="0">
-              <a:buNone/>
-              <a:defRPr sz="1320" b="1"/>
+            <a:lvl7pPr marL="2194560" indent="0">
+              <a:buNone/>
+              <a:defRPr sz="1280" b="1"/>
             </a:lvl7pPr>
-            <a:lvl8pPr marL="2640330" indent="0">
-              <a:buNone/>
-              <a:defRPr sz="1320" b="1"/>
+            <a:lvl8pPr marL="2560320" indent="0">
+              <a:buNone/>
+              <a:defRPr sz="1280" b="1"/>
             </a:lvl8pPr>
-            <a:lvl9pPr marL="3017520" indent="0">
-              <a:buNone/>
-              <a:defRPr sz="1320" b="1"/>
+            <a:lvl9pPr marL="2926080" indent="0">
+              <a:buNone/>
+              <a:defRPr sz="1280" b="1"/>
             </a:lvl9pPr>
           </a:lstStyle>
           <a:p>
@@ -1424,8 +1419,8 @@
         </p:nvSpPr>
         <p:spPr>
           <a:xfrm>
-            <a:off x="692826" y="2338070"/>
-            <a:ext cx="4255174" cy="3438949"/>
+            <a:off x="708571" y="2004060"/>
+            <a:ext cx="4351883" cy="2947670"/>
           </a:xfrm>
         </p:spPr>
         <p:txBody>
@@ -1481,8 +1476,8 @@
         </p:nvSpPr>
         <p:spPr>
           <a:xfrm>
-            <a:off x="5092065" y="1569085"/>
-            <a:ext cx="4276130" cy="768985"/>
+            <a:off x="5207794" y="1344930"/>
+            <a:ext cx="4373315" cy="659130"/>
           </a:xfrm>
         </p:spPr>
         <p:txBody>
@@ -1490,39 +1485,39 @@
           <a:lstStyle>
             <a:lvl1pPr marL="0" indent="0">
               <a:buNone/>
-              <a:defRPr sz="1980" b="1"/>
+              <a:defRPr sz="1920" b="1"/>
             </a:lvl1pPr>
-            <a:lvl2pPr marL="377190" indent="0">
-              <a:buNone/>
-              <a:defRPr sz="1650" b="1"/>
+            <a:lvl2pPr marL="365760" indent="0">
+              <a:buNone/>
+              <a:defRPr sz="1600" b="1"/>
             </a:lvl2pPr>
-            <a:lvl3pPr marL="754380" indent="0">
-              <a:buNone/>
-              <a:defRPr sz="1485" b="1"/>
+            <a:lvl3pPr marL="731520" indent="0">
+              <a:buNone/>
+              <a:defRPr sz="1440" b="1"/>
             </a:lvl3pPr>
-            <a:lvl4pPr marL="1131570" indent="0">
-              <a:buNone/>
-              <a:defRPr sz="1320" b="1"/>
+            <a:lvl4pPr marL="1097280" indent="0">
+              <a:buNone/>
+              <a:defRPr sz="1280" b="1"/>
             </a:lvl4pPr>
-            <a:lvl5pPr marL="1508760" indent="0">
-              <a:buNone/>
-              <a:defRPr sz="1320" b="1"/>
+            <a:lvl5pPr marL="1463040" indent="0">
+              <a:buNone/>
+              <a:defRPr sz="1280" b="1"/>
             </a:lvl5pPr>
-            <a:lvl6pPr marL="1885950" indent="0">
-              <a:buNone/>
-              <a:defRPr sz="1320" b="1"/>
+            <a:lvl6pPr marL="1828800" indent="0">
+              <a:buNone/>
+              <a:defRPr sz="1280" b="1"/>
             </a:lvl6pPr>
-            <a:lvl7pPr marL="2263140" indent="0">
-              <a:buNone/>
-              <a:defRPr sz="1320" b="1"/>
+            <a:lvl7pPr marL="2194560" indent="0">
+              <a:buNone/>
+              <a:defRPr sz="1280" b="1"/>
             </a:lvl7pPr>
-            <a:lvl8pPr marL="2640330" indent="0">
-              <a:buNone/>
-              <a:defRPr sz="1320" b="1"/>
+            <a:lvl8pPr marL="2560320" indent="0">
+              <a:buNone/>
+              <a:defRPr sz="1280" b="1"/>
             </a:lvl8pPr>
-            <a:lvl9pPr marL="3017520" indent="0">
-              <a:buNone/>
-              <a:defRPr sz="1320" b="1"/>
+            <a:lvl9pPr marL="2926080" indent="0">
+              <a:buNone/>
+              <a:defRPr sz="1280" b="1"/>
             </a:lvl9pPr>
           </a:lstStyle>
           <a:p>
@@ -1546,8 +1541,8 @@
         </p:nvSpPr>
         <p:spPr>
           <a:xfrm>
-            <a:off x="5092065" y="2338070"/>
-            <a:ext cx="4276130" cy="3438949"/>
+            <a:off x="5207794" y="2004060"/>
+            <a:ext cx="4373315" cy="2947670"/>
           </a:xfrm>
         </p:spPr>
         <p:txBody>
@@ -1606,9 +1601,9 @@
           <a:bodyPr/>
           <a:lstStyle/>
           <a:p>
-            <a:fld id="{55C48555-5C1B-394F-AB41-C753F83C5FA8}" type="datetimeFigureOut">
+            <a:fld id="{7B537CA4-E614-924F-B64D-30E6D54E5167}" type="datetimeFigureOut">
               <a:rPr lang="en-US" smtClean="0"/>
-              <a:t>9/11/20</a:t>
+              <a:t>9/30/20</a:t>
             </a:fld>
             <a:endParaRPr lang="en-US"/>
           </a:p>
@@ -1648,7 +1643,7 @@
           <a:bodyPr/>
           <a:lstStyle/>
           <a:p>
-            <a:fld id="{22483484-A61A-904E-9A1D-D704FCD83109}" type="slidenum">
+            <a:fld id="{C84EAF6E-1079-5142-8CA0-54190AC77301}" type="slidenum">
               <a:rPr lang="en-US" smtClean="0"/>
               <a:t>‹#›</a:t>
             </a:fld>
@@ -1659,7 +1654,7 @@
     </p:spTree>
     <p:extLst>
       <p:ext uri="{BB962C8B-B14F-4D97-AF65-F5344CB8AC3E}">
-        <p14:creationId xmlns:p14="http://schemas.microsoft.com/office/powerpoint/2010/main" val="3359601075"/>
+        <p14:creationId xmlns:p14="http://schemas.microsoft.com/office/powerpoint/2010/main" val="515961376"/>
       </p:ext>
     </p:extLst>
   </p:cSld>
@@ -1724,9 +1719,9 @@
           <a:bodyPr/>
           <a:lstStyle/>
           <a:p>
-            <a:fld id="{55C48555-5C1B-394F-AB41-C753F83C5FA8}" type="datetimeFigureOut">
+            <a:fld id="{7B537CA4-E614-924F-B64D-30E6D54E5167}" type="datetimeFigureOut">
               <a:rPr lang="en-US" smtClean="0"/>
-              <a:t>9/11/20</a:t>
+              <a:t>9/30/20</a:t>
             </a:fld>
             <a:endParaRPr lang="en-US"/>
           </a:p>
@@ -1766,7 +1761,7 @@
           <a:bodyPr/>
           <a:lstStyle/>
           <a:p>
-            <a:fld id="{22483484-A61A-904E-9A1D-D704FCD83109}" type="slidenum">
+            <a:fld id="{C84EAF6E-1079-5142-8CA0-54190AC77301}" type="slidenum">
               <a:rPr lang="en-US" smtClean="0"/>
               <a:t>‹#›</a:t>
             </a:fld>
@@ -1777,7 +1772,7 @@
     </p:spTree>
     <p:extLst>
       <p:ext uri="{BB962C8B-B14F-4D97-AF65-F5344CB8AC3E}">
-        <p14:creationId xmlns:p14="http://schemas.microsoft.com/office/powerpoint/2010/main" val="2657433909"/>
+        <p14:creationId xmlns:p14="http://schemas.microsoft.com/office/powerpoint/2010/main" val="882369553"/>
       </p:ext>
     </p:extLst>
   </p:cSld>
@@ -1819,9 +1814,9 @@
           <a:bodyPr/>
           <a:lstStyle/>
           <a:p>
-            <a:fld id="{55C48555-5C1B-394F-AB41-C753F83C5FA8}" type="datetimeFigureOut">
+            <a:fld id="{7B537CA4-E614-924F-B64D-30E6D54E5167}" type="datetimeFigureOut">
               <a:rPr lang="en-US" smtClean="0"/>
-              <a:t>9/11/20</a:t>
+              <a:t>9/30/20</a:t>
             </a:fld>
             <a:endParaRPr lang="en-US"/>
           </a:p>
@@ -1861,7 +1856,7 @@
           <a:bodyPr/>
           <a:lstStyle/>
           <a:p>
-            <a:fld id="{22483484-A61A-904E-9A1D-D704FCD83109}" type="slidenum">
+            <a:fld id="{C84EAF6E-1079-5142-8CA0-54190AC77301}" type="slidenum">
               <a:rPr lang="en-US" smtClean="0"/>
               <a:t>‹#›</a:t>
             </a:fld>
@@ -1872,7 +1867,7 @@
     </p:spTree>
     <p:extLst>
       <p:ext uri="{BB962C8B-B14F-4D97-AF65-F5344CB8AC3E}">
-        <p14:creationId xmlns:p14="http://schemas.microsoft.com/office/powerpoint/2010/main" val="346659811"/>
+        <p14:creationId xmlns:p14="http://schemas.microsoft.com/office/powerpoint/2010/main" val="4192856895"/>
       </p:ext>
     </p:extLst>
   </p:cSld>
@@ -1911,15 +1906,15 @@
         </p:nvSpPr>
         <p:spPr>
           <a:xfrm>
-            <a:off x="692825" y="426720"/>
-            <a:ext cx="3244096" cy="1493520"/>
+            <a:off x="708572" y="365760"/>
+            <a:ext cx="3317825" cy="1280160"/>
           </a:xfrm>
         </p:spPr>
         <p:txBody>
           <a:bodyPr anchor="b"/>
           <a:lstStyle>
             <a:lvl1pPr>
-              <a:defRPr sz="2640"/>
+              <a:defRPr sz="2560"/>
             </a:lvl1pPr>
           </a:lstStyle>
           <a:p>
@@ -1943,39 +1938,39 @@
         </p:nvSpPr>
         <p:spPr>
           <a:xfrm>
-            <a:off x="4276130" y="921597"/>
-            <a:ext cx="5092065" cy="4548717"/>
+            <a:off x="4373315" y="789940"/>
+            <a:ext cx="5207794" cy="3898900"/>
           </a:xfrm>
         </p:spPr>
         <p:txBody>
           <a:bodyPr/>
           <a:lstStyle>
             <a:lvl1pPr>
-              <a:defRPr sz="2640"/>
+              <a:defRPr sz="2560"/>
             </a:lvl1pPr>
             <a:lvl2pPr>
-              <a:defRPr sz="2310"/>
+              <a:defRPr sz="2240"/>
             </a:lvl2pPr>
             <a:lvl3pPr>
-              <a:defRPr sz="1980"/>
+              <a:defRPr sz="1920"/>
             </a:lvl3pPr>
             <a:lvl4pPr>
-              <a:defRPr sz="1650"/>
+              <a:defRPr sz="1600"/>
             </a:lvl4pPr>
             <a:lvl5pPr>
-              <a:defRPr sz="1650"/>
+              <a:defRPr sz="1600"/>
             </a:lvl5pPr>
             <a:lvl6pPr>
-              <a:defRPr sz="1650"/>
+              <a:defRPr sz="1600"/>
             </a:lvl6pPr>
             <a:lvl7pPr>
-              <a:defRPr sz="1650"/>
+              <a:defRPr sz="1600"/>
             </a:lvl7pPr>
             <a:lvl8pPr>
-              <a:defRPr sz="1650"/>
+              <a:defRPr sz="1600"/>
             </a:lvl8pPr>
             <a:lvl9pPr>
-              <a:defRPr sz="1650"/>
+              <a:defRPr sz="1600"/>
             </a:lvl9pPr>
           </a:lstStyle>
           <a:p>
@@ -2028,8 +2023,8 @@
         </p:nvSpPr>
         <p:spPr>
           <a:xfrm>
-            <a:off x="692825" y="1920240"/>
-            <a:ext cx="3244096" cy="3557482"/>
+            <a:off x="708572" y="1645920"/>
+            <a:ext cx="3317825" cy="3049270"/>
           </a:xfrm>
         </p:spPr>
         <p:txBody>
@@ -2037,39 +2032,39 @@
           <a:lstStyle>
             <a:lvl1pPr marL="0" indent="0">
               <a:buNone/>
-              <a:defRPr sz="1320"/>
+              <a:defRPr sz="1280"/>
             </a:lvl1pPr>
-            <a:lvl2pPr marL="377190" indent="0">
-              <a:buNone/>
-              <a:defRPr sz="1155"/>
+            <a:lvl2pPr marL="365760" indent="0">
+              <a:buNone/>
+              <a:defRPr sz="1120"/>
             </a:lvl2pPr>
-            <a:lvl3pPr marL="754380" indent="0">
-              <a:buNone/>
-              <a:defRPr sz="990"/>
+            <a:lvl3pPr marL="731520" indent="0">
+              <a:buNone/>
+              <a:defRPr sz="960"/>
             </a:lvl3pPr>
-            <a:lvl4pPr marL="1131570" indent="0">
-              <a:buNone/>
-              <a:defRPr sz="825"/>
+            <a:lvl4pPr marL="1097280" indent="0">
+              <a:buNone/>
+              <a:defRPr sz="800"/>
             </a:lvl4pPr>
-            <a:lvl5pPr marL="1508760" indent="0">
-              <a:buNone/>
-              <a:defRPr sz="825"/>
+            <a:lvl5pPr marL="1463040" indent="0">
+              <a:buNone/>
+              <a:defRPr sz="800"/>
             </a:lvl5pPr>
-            <a:lvl6pPr marL="1885950" indent="0">
-              <a:buNone/>
-              <a:defRPr sz="825"/>
+            <a:lvl6pPr marL="1828800" indent="0">
+              <a:buNone/>
+              <a:defRPr sz="800"/>
             </a:lvl6pPr>
-            <a:lvl7pPr marL="2263140" indent="0">
-              <a:buNone/>
-              <a:defRPr sz="825"/>
+            <a:lvl7pPr marL="2194560" indent="0">
+              <a:buNone/>
+              <a:defRPr sz="800"/>
             </a:lvl7pPr>
-            <a:lvl8pPr marL="2640330" indent="0">
-              <a:buNone/>
-              <a:defRPr sz="825"/>
+            <a:lvl8pPr marL="2560320" indent="0">
+              <a:buNone/>
+              <a:defRPr sz="800"/>
             </a:lvl8pPr>
-            <a:lvl9pPr marL="3017520" indent="0">
-              <a:buNone/>
-              <a:defRPr sz="825"/>
+            <a:lvl9pPr marL="2926080" indent="0">
+              <a:buNone/>
+              <a:defRPr sz="800"/>
             </a:lvl9pPr>
           </a:lstStyle>
           <a:p>
@@ -2096,9 +2091,9 @@
           <a:bodyPr/>
           <a:lstStyle/>
           <a:p>
-            <a:fld id="{55C48555-5C1B-394F-AB41-C753F83C5FA8}" type="datetimeFigureOut">
+            <a:fld id="{7B537CA4-E614-924F-B64D-30E6D54E5167}" type="datetimeFigureOut">
               <a:rPr lang="en-US" smtClean="0"/>
-              <a:t>9/11/20</a:t>
+              <a:t>9/30/20</a:t>
             </a:fld>
             <a:endParaRPr lang="en-US"/>
           </a:p>
@@ -2138,7 +2133,7 @@
           <a:bodyPr/>
           <a:lstStyle/>
           <a:p>
-            <a:fld id="{22483484-A61A-904E-9A1D-D704FCD83109}" type="slidenum">
+            <a:fld id="{C84EAF6E-1079-5142-8CA0-54190AC77301}" type="slidenum">
               <a:rPr lang="en-US" smtClean="0"/>
               <a:t>‹#›</a:t>
             </a:fld>
@@ -2149,7 +2144,7 @@
     </p:spTree>
     <p:extLst>
       <p:ext uri="{BB962C8B-B14F-4D97-AF65-F5344CB8AC3E}">
-        <p14:creationId xmlns:p14="http://schemas.microsoft.com/office/powerpoint/2010/main" val="1062064478"/>
+        <p14:creationId xmlns:p14="http://schemas.microsoft.com/office/powerpoint/2010/main" val="4163499982"/>
       </p:ext>
     </p:extLst>
   </p:cSld>
@@ -2188,15 +2183,15 @@
         </p:nvSpPr>
         <p:spPr>
           <a:xfrm>
-            <a:off x="692825" y="426720"/>
-            <a:ext cx="3244096" cy="1493520"/>
+            <a:off x="708572" y="365760"/>
+            <a:ext cx="3317825" cy="1280160"/>
           </a:xfrm>
         </p:spPr>
         <p:txBody>
           <a:bodyPr anchor="b"/>
           <a:lstStyle>
             <a:lvl1pPr>
-              <a:defRPr sz="2640"/>
+              <a:defRPr sz="2560"/>
             </a:lvl1pPr>
           </a:lstStyle>
           <a:p>
@@ -2220,8 +2215,8 @@
         </p:nvSpPr>
         <p:spPr>
           <a:xfrm>
-            <a:off x="4276130" y="921597"/>
-            <a:ext cx="5092065" cy="4548717"/>
+            <a:off x="4373315" y="789940"/>
+            <a:ext cx="5207794" cy="3898900"/>
           </a:xfrm>
         </p:spPr>
         <p:txBody>
@@ -2229,39 +2224,39 @@
           <a:lstStyle>
             <a:lvl1pPr marL="0" indent="0">
               <a:buNone/>
-              <a:defRPr sz="2640"/>
+              <a:defRPr sz="2560"/>
             </a:lvl1pPr>
-            <a:lvl2pPr marL="377190" indent="0">
-              <a:buNone/>
-              <a:defRPr sz="2310"/>
+            <a:lvl2pPr marL="365760" indent="0">
+              <a:buNone/>
+              <a:defRPr sz="2240"/>
             </a:lvl2pPr>
-            <a:lvl3pPr marL="754380" indent="0">
-              <a:buNone/>
-              <a:defRPr sz="1980"/>
+            <a:lvl3pPr marL="731520" indent="0">
+              <a:buNone/>
+              <a:defRPr sz="1920"/>
             </a:lvl3pPr>
-            <a:lvl4pPr marL="1131570" indent="0">
-              <a:buNone/>
-              <a:defRPr sz="1650"/>
+            <a:lvl4pPr marL="1097280" indent="0">
+              <a:buNone/>
+              <a:defRPr sz="1600"/>
             </a:lvl4pPr>
-            <a:lvl5pPr marL="1508760" indent="0">
-              <a:buNone/>
-              <a:defRPr sz="1650"/>
+            <a:lvl5pPr marL="1463040" indent="0">
+              <a:buNone/>
+              <a:defRPr sz="1600"/>
             </a:lvl5pPr>
-            <a:lvl6pPr marL="1885950" indent="0">
-              <a:buNone/>
-              <a:defRPr sz="1650"/>
+            <a:lvl6pPr marL="1828800" indent="0">
+              <a:buNone/>
+              <a:defRPr sz="1600"/>
             </a:lvl6pPr>
-            <a:lvl7pPr marL="2263140" indent="0">
-              <a:buNone/>
-              <a:defRPr sz="1650"/>
+            <a:lvl7pPr marL="2194560" indent="0">
+              <a:buNone/>
+              <a:defRPr sz="1600"/>
             </a:lvl7pPr>
-            <a:lvl8pPr marL="2640330" indent="0">
-              <a:buNone/>
-              <a:defRPr sz="1650"/>
+            <a:lvl8pPr marL="2560320" indent="0">
+              <a:buNone/>
+              <a:defRPr sz="1600"/>
             </a:lvl8pPr>
-            <a:lvl9pPr marL="3017520" indent="0">
-              <a:buNone/>
-              <a:defRPr sz="1650"/>
+            <a:lvl9pPr marL="2926080" indent="0">
+              <a:buNone/>
+              <a:defRPr sz="1600"/>
             </a:lvl9pPr>
           </a:lstStyle>
           <a:p>
@@ -2285,8 +2280,8 @@
         </p:nvSpPr>
         <p:spPr>
           <a:xfrm>
-            <a:off x="692825" y="1920240"/>
-            <a:ext cx="3244096" cy="3557482"/>
+            <a:off x="708572" y="1645920"/>
+            <a:ext cx="3317825" cy="3049270"/>
           </a:xfrm>
         </p:spPr>
         <p:txBody>
@@ -2294,39 +2289,39 @@
           <a:lstStyle>
             <a:lvl1pPr marL="0" indent="0">
               <a:buNone/>
-              <a:defRPr sz="1320"/>
+              <a:defRPr sz="1280"/>
             </a:lvl1pPr>
-            <a:lvl2pPr marL="377190" indent="0">
-              <a:buNone/>
-              <a:defRPr sz="1155"/>
+            <a:lvl2pPr marL="365760" indent="0">
+              <a:buNone/>
+              <a:defRPr sz="1120"/>
             </a:lvl2pPr>
-            <a:lvl3pPr marL="754380" indent="0">
-              <a:buNone/>
-              <a:defRPr sz="990"/>
+            <a:lvl3pPr marL="731520" indent="0">
+              <a:buNone/>
+              <a:defRPr sz="960"/>
             </a:lvl3pPr>
-            <a:lvl4pPr marL="1131570" indent="0">
-              <a:buNone/>
-              <a:defRPr sz="825"/>
+            <a:lvl4pPr marL="1097280" indent="0">
+              <a:buNone/>
+              <a:defRPr sz="800"/>
             </a:lvl4pPr>
-            <a:lvl5pPr marL="1508760" indent="0">
-              <a:buNone/>
-              <a:defRPr sz="825"/>
+            <a:lvl5pPr marL="1463040" indent="0">
+              <a:buNone/>
+              <a:defRPr sz="800"/>
             </a:lvl5pPr>
-            <a:lvl6pPr marL="1885950" indent="0">
-              <a:buNone/>
-              <a:defRPr sz="825"/>
+            <a:lvl6pPr marL="1828800" indent="0">
+              <a:buNone/>
+              <a:defRPr sz="800"/>
             </a:lvl6pPr>
-            <a:lvl7pPr marL="2263140" indent="0">
-              <a:buNone/>
-              <a:defRPr sz="825"/>
+            <a:lvl7pPr marL="2194560" indent="0">
+              <a:buNone/>
+              <a:defRPr sz="800"/>
             </a:lvl7pPr>
-            <a:lvl8pPr marL="2640330" indent="0">
-              <a:buNone/>
-              <a:defRPr sz="825"/>
+            <a:lvl8pPr marL="2560320" indent="0">
+              <a:buNone/>
+              <a:defRPr sz="800"/>
             </a:lvl8pPr>
-            <a:lvl9pPr marL="3017520" indent="0">
-              <a:buNone/>
-              <a:defRPr sz="825"/>
+            <a:lvl9pPr marL="2926080" indent="0">
+              <a:buNone/>
+              <a:defRPr sz="800"/>
             </a:lvl9pPr>
           </a:lstStyle>
           <a:p>
@@ -2353,9 +2348,9 @@
           <a:bodyPr/>
           <a:lstStyle/>
           <a:p>
-            <a:fld id="{55C48555-5C1B-394F-AB41-C753F83C5FA8}" type="datetimeFigureOut">
+            <a:fld id="{7B537CA4-E614-924F-B64D-30E6D54E5167}" type="datetimeFigureOut">
               <a:rPr lang="en-US" smtClean="0"/>
-              <a:t>9/11/20</a:t>
+              <a:t>9/30/20</a:t>
             </a:fld>
             <a:endParaRPr lang="en-US"/>
           </a:p>
@@ -2395,7 +2390,7 @@
           <a:bodyPr/>
           <a:lstStyle/>
           <a:p>
-            <a:fld id="{22483484-A61A-904E-9A1D-D704FCD83109}" type="slidenum">
+            <a:fld id="{C84EAF6E-1079-5142-8CA0-54190AC77301}" type="slidenum">
               <a:rPr lang="en-US" smtClean="0"/>
               <a:t>‹#›</a:t>
             </a:fld>
@@ -2406,7 +2401,7 @@
     </p:spTree>
     <p:extLst>
       <p:ext uri="{BB962C8B-B14F-4D97-AF65-F5344CB8AC3E}">
-        <p14:creationId xmlns:p14="http://schemas.microsoft.com/office/powerpoint/2010/main" val="3857754343"/>
+        <p14:creationId xmlns:p14="http://schemas.microsoft.com/office/powerpoint/2010/main" val="107775563"/>
       </p:ext>
     </p:extLst>
   </p:cSld>
@@ -2450,8 +2445,8 @@
         </p:nvSpPr>
         <p:spPr>
           <a:xfrm>
-            <a:off x="691515" y="340784"/>
-            <a:ext cx="8675370" cy="1237192"/>
+            <a:off x="707231" y="292101"/>
+            <a:ext cx="8872538" cy="1060450"/>
           </a:xfrm>
           <a:prstGeom prst="rect">
             <a:avLst/>
@@ -2483,8 +2478,8 @@
         </p:nvSpPr>
         <p:spPr>
           <a:xfrm>
-            <a:off x="691515" y="1703917"/>
-            <a:ext cx="8675370" cy="4061249"/>
+            <a:off x="707231" y="1460500"/>
+            <a:ext cx="8872538" cy="3481070"/>
           </a:xfrm>
           <a:prstGeom prst="rect">
             <a:avLst/>
@@ -2545,8 +2540,8 @@
         </p:nvSpPr>
         <p:spPr>
           <a:xfrm>
-            <a:off x="691515" y="5932594"/>
-            <a:ext cx="2263140" cy="340783"/>
+            <a:off x="707231" y="5085080"/>
+            <a:ext cx="2314575" cy="292100"/>
           </a:xfrm>
           <a:prstGeom prst="rect">
             <a:avLst/>
@@ -2556,7 +2551,7 @@
           <a:bodyPr vert="horz" lIns="91440" tIns="45720" rIns="91440" bIns="45720" rtlCol="0" anchor="ctr"/>
           <a:lstStyle>
             <a:lvl1pPr algn="l">
-              <a:defRPr sz="990">
+              <a:defRPr sz="960">
                 <a:solidFill>
                   <a:schemeClr val="tx1">
                     <a:tint val="75000"/>
@@ -2566,9 +2561,9 @@
             </a:lvl1pPr>
           </a:lstStyle>
           <a:p>
-            <a:fld id="{55C48555-5C1B-394F-AB41-C753F83C5FA8}" type="datetimeFigureOut">
+            <a:fld id="{7B537CA4-E614-924F-B64D-30E6D54E5167}" type="datetimeFigureOut">
               <a:rPr lang="en-US" smtClean="0"/>
-              <a:t>9/11/20</a:t>
+              <a:t>9/30/20</a:t>
             </a:fld>
             <a:endParaRPr lang="en-US"/>
           </a:p>
@@ -2586,8 +2581,8 @@
         </p:nvSpPr>
         <p:spPr>
           <a:xfrm>
-            <a:off x="3331845" y="5932594"/>
-            <a:ext cx="3394710" cy="340783"/>
+            <a:off x="3407569" y="5085080"/>
+            <a:ext cx="3471863" cy="292100"/>
           </a:xfrm>
           <a:prstGeom prst="rect">
             <a:avLst/>
@@ -2597,7 +2592,7 @@
           <a:bodyPr vert="horz" lIns="91440" tIns="45720" rIns="91440" bIns="45720" rtlCol="0" anchor="ctr"/>
           <a:lstStyle>
             <a:lvl1pPr algn="ctr">
-              <a:defRPr sz="990">
+              <a:defRPr sz="960">
                 <a:solidFill>
                   <a:schemeClr val="tx1">
                     <a:tint val="75000"/>
@@ -2623,8 +2618,8 @@
         </p:nvSpPr>
         <p:spPr>
           <a:xfrm>
-            <a:off x="7103745" y="5932594"/>
-            <a:ext cx="2263140" cy="340783"/>
+            <a:off x="7265194" y="5085080"/>
+            <a:ext cx="2314575" cy="292100"/>
           </a:xfrm>
           <a:prstGeom prst="rect">
             <a:avLst/>
@@ -2634,7 +2629,7 @@
           <a:bodyPr vert="horz" lIns="91440" tIns="45720" rIns="91440" bIns="45720" rtlCol="0" anchor="ctr"/>
           <a:lstStyle>
             <a:lvl1pPr algn="r">
-              <a:defRPr sz="990">
+              <a:defRPr sz="960">
                 <a:solidFill>
                   <a:schemeClr val="tx1">
                     <a:tint val="75000"/>
@@ -2644,7 +2639,7 @@
             </a:lvl1pPr>
           </a:lstStyle>
           <a:p>
-            <a:fld id="{22483484-A61A-904E-9A1D-D704FCD83109}" type="slidenum">
+            <a:fld id="{C84EAF6E-1079-5142-8CA0-54190AC77301}" type="slidenum">
               <a:rPr lang="en-US" smtClean="0"/>
               <a:t>‹#›</a:t>
             </a:fld>
@@ -2655,27 +2650,27 @@
     </p:spTree>
     <p:extLst>
       <p:ext uri="{BB962C8B-B14F-4D97-AF65-F5344CB8AC3E}">
-        <p14:creationId xmlns:p14="http://schemas.microsoft.com/office/powerpoint/2010/main" val="1405205522"/>
+        <p14:creationId xmlns:p14="http://schemas.microsoft.com/office/powerpoint/2010/main" val="3603797977"/>
       </p:ext>
     </p:extLst>
   </p:cSld>
   <p:clrMap bg1="lt1" tx1="dk1" bg2="lt2" tx2="dk2" accent1="accent1" accent2="accent2" accent3="accent3" accent4="accent4" accent5="accent5" accent6="accent6" hlink="hlink" folHlink="folHlink"/>
   <p:sldLayoutIdLst>
-    <p:sldLayoutId id="2147483661" r:id="rId1"/>
-    <p:sldLayoutId id="2147483662" r:id="rId2"/>
-    <p:sldLayoutId id="2147483663" r:id="rId3"/>
-    <p:sldLayoutId id="2147483664" r:id="rId4"/>
-    <p:sldLayoutId id="2147483665" r:id="rId5"/>
-    <p:sldLayoutId id="2147483666" r:id="rId6"/>
-    <p:sldLayoutId id="2147483667" r:id="rId7"/>
-    <p:sldLayoutId id="2147483668" r:id="rId8"/>
-    <p:sldLayoutId id="2147483669" r:id="rId9"/>
-    <p:sldLayoutId id="2147483670" r:id="rId10"/>
-    <p:sldLayoutId id="2147483671" r:id="rId11"/>
+    <p:sldLayoutId id="2147483697" r:id="rId1"/>
+    <p:sldLayoutId id="2147483698" r:id="rId2"/>
+    <p:sldLayoutId id="2147483699" r:id="rId3"/>
+    <p:sldLayoutId id="2147483700" r:id="rId4"/>
+    <p:sldLayoutId id="2147483701" r:id="rId5"/>
+    <p:sldLayoutId id="2147483702" r:id="rId6"/>
+    <p:sldLayoutId id="2147483703" r:id="rId7"/>
+    <p:sldLayoutId id="2147483704" r:id="rId8"/>
+    <p:sldLayoutId id="2147483705" r:id="rId9"/>
+    <p:sldLayoutId id="2147483706" r:id="rId10"/>
+    <p:sldLayoutId id="2147483707" r:id="rId11"/>
   </p:sldLayoutIdLst>
   <p:txStyles>
     <p:titleStyle>
-      <a:lvl1pPr algn="l" defTabSz="754380" rtl="0" eaLnBrk="1" latinLnBrk="0" hangingPunct="1">
+      <a:lvl1pPr algn="l" defTabSz="731520" rtl="0" eaLnBrk="1" latinLnBrk="0" hangingPunct="1">
         <a:lnSpc>
           <a:spcPct val="90000"/>
         </a:lnSpc>
@@ -2683,7 +2678,7 @@
           <a:spcPct val="0"/>
         </a:spcBef>
         <a:buNone/>
-        <a:defRPr sz="3630" kern="1200">
+        <a:defRPr sz="3520" kern="1200">
           <a:solidFill>
             <a:schemeClr val="tx1"/>
           </a:solidFill>
@@ -2694,16 +2689,16 @@
       </a:lvl1pPr>
     </p:titleStyle>
     <p:bodyStyle>
-      <a:lvl1pPr marL="188595" indent="-188595" algn="l" defTabSz="754380" rtl="0" eaLnBrk="1" latinLnBrk="0" hangingPunct="1">
+      <a:lvl1pPr marL="182880" indent="-182880" algn="l" defTabSz="731520" rtl="0" eaLnBrk="1" latinLnBrk="0" hangingPunct="1">
         <a:lnSpc>
           <a:spcPct val="90000"/>
         </a:lnSpc>
         <a:spcBef>
-          <a:spcPts val="825"/>
+          <a:spcPts val="800"/>
         </a:spcBef>
         <a:buFont typeface="Arial" panose="020B0604020202020204" pitchFamily="34" charset="0"/>
         <a:buChar char="•"/>
-        <a:defRPr sz="2310" kern="1200">
+        <a:defRPr sz="2240" kern="1200">
           <a:solidFill>
             <a:schemeClr val="tx1"/>
           </a:solidFill>
@@ -2712,16 +2707,16 @@
           <a:cs typeface="+mn-cs"/>
         </a:defRPr>
       </a:lvl1pPr>
-      <a:lvl2pPr marL="565785" indent="-188595" algn="l" defTabSz="754380" rtl="0" eaLnBrk="1" latinLnBrk="0" hangingPunct="1">
+      <a:lvl2pPr marL="548640" indent="-182880" algn="l" defTabSz="731520" rtl="0" eaLnBrk="1" latinLnBrk="0" hangingPunct="1">
         <a:lnSpc>
           <a:spcPct val="90000"/>
         </a:lnSpc>
         <a:spcBef>
-          <a:spcPts val="413"/>
+          <a:spcPts val="400"/>
         </a:spcBef>
         <a:buFont typeface="Arial" panose="020B0604020202020204" pitchFamily="34" charset="0"/>
         <a:buChar char="•"/>
-        <a:defRPr sz="1980" kern="1200">
+        <a:defRPr sz="1920" kern="1200">
           <a:solidFill>
             <a:schemeClr val="tx1"/>
           </a:solidFill>
@@ -2730,16 +2725,16 @@
           <a:cs typeface="+mn-cs"/>
         </a:defRPr>
       </a:lvl2pPr>
-      <a:lvl3pPr marL="942975" indent="-188595" algn="l" defTabSz="754380" rtl="0" eaLnBrk="1" latinLnBrk="0" hangingPunct="1">
+      <a:lvl3pPr marL="914400" indent="-182880" algn="l" defTabSz="731520" rtl="0" eaLnBrk="1" latinLnBrk="0" hangingPunct="1">
         <a:lnSpc>
           <a:spcPct val="90000"/>
         </a:lnSpc>
         <a:spcBef>
-          <a:spcPts val="413"/>
+          <a:spcPts val="400"/>
         </a:spcBef>
         <a:buFont typeface="Arial" panose="020B0604020202020204" pitchFamily="34" charset="0"/>
         <a:buChar char="•"/>
-        <a:defRPr sz="1650" kern="1200">
+        <a:defRPr sz="1600" kern="1200">
           <a:solidFill>
             <a:schemeClr val="tx1"/>
           </a:solidFill>
@@ -2748,16 +2743,16 @@
           <a:cs typeface="+mn-cs"/>
         </a:defRPr>
       </a:lvl3pPr>
-      <a:lvl4pPr marL="1320165" indent="-188595" algn="l" defTabSz="754380" rtl="0" eaLnBrk="1" latinLnBrk="0" hangingPunct="1">
+      <a:lvl4pPr marL="1280160" indent="-182880" algn="l" defTabSz="731520" rtl="0" eaLnBrk="1" latinLnBrk="0" hangingPunct="1">
         <a:lnSpc>
           <a:spcPct val="90000"/>
         </a:lnSpc>
         <a:spcBef>
-          <a:spcPts val="413"/>
+          <a:spcPts val="400"/>
         </a:spcBef>
         <a:buFont typeface="Arial" panose="020B0604020202020204" pitchFamily="34" charset="0"/>
         <a:buChar char="•"/>
-        <a:defRPr sz="1485" kern="1200">
+        <a:defRPr sz="1440" kern="1200">
           <a:solidFill>
             <a:schemeClr val="tx1"/>
           </a:solidFill>
@@ -2766,16 +2761,16 @@
           <a:cs typeface="+mn-cs"/>
         </a:defRPr>
       </a:lvl4pPr>
-      <a:lvl5pPr marL="1697355" indent="-188595" algn="l" defTabSz="754380" rtl="0" eaLnBrk="1" latinLnBrk="0" hangingPunct="1">
+      <a:lvl5pPr marL="1645920" indent="-182880" algn="l" defTabSz="731520" rtl="0" eaLnBrk="1" latinLnBrk="0" hangingPunct="1">
         <a:lnSpc>
           <a:spcPct val="90000"/>
         </a:lnSpc>
         <a:spcBef>
-          <a:spcPts val="413"/>
+          <a:spcPts val="400"/>
         </a:spcBef>
         <a:buFont typeface="Arial" panose="020B0604020202020204" pitchFamily="34" charset="0"/>
         <a:buChar char="•"/>
-        <a:defRPr sz="1485" kern="1200">
+        <a:defRPr sz="1440" kern="1200">
           <a:solidFill>
             <a:schemeClr val="tx1"/>
           </a:solidFill>
@@ -2784,16 +2779,16 @@
           <a:cs typeface="+mn-cs"/>
         </a:defRPr>
       </a:lvl5pPr>
-      <a:lvl6pPr marL="2074545" indent="-188595" algn="l" defTabSz="754380" rtl="0" eaLnBrk="1" latinLnBrk="0" hangingPunct="1">
+      <a:lvl6pPr marL="2011680" indent="-182880" algn="l" defTabSz="731520" rtl="0" eaLnBrk="1" latinLnBrk="0" hangingPunct="1">
         <a:lnSpc>
           <a:spcPct val="90000"/>
         </a:lnSpc>
         <a:spcBef>
-          <a:spcPts val="413"/>
+          <a:spcPts val="400"/>
         </a:spcBef>
         <a:buFont typeface="Arial" panose="020B0604020202020204" pitchFamily="34" charset="0"/>
         <a:buChar char="•"/>
-        <a:defRPr sz="1485" kern="1200">
+        <a:defRPr sz="1440" kern="1200">
           <a:solidFill>
             <a:schemeClr val="tx1"/>
           </a:solidFill>
@@ -2802,16 +2797,16 @@
           <a:cs typeface="+mn-cs"/>
         </a:defRPr>
       </a:lvl6pPr>
-      <a:lvl7pPr marL="2451735" indent="-188595" algn="l" defTabSz="754380" rtl="0" eaLnBrk="1" latinLnBrk="0" hangingPunct="1">
+      <a:lvl7pPr marL="2377440" indent="-182880" algn="l" defTabSz="731520" rtl="0" eaLnBrk="1" latinLnBrk="0" hangingPunct="1">
         <a:lnSpc>
           <a:spcPct val="90000"/>
         </a:lnSpc>
         <a:spcBef>
-          <a:spcPts val="413"/>
+          <a:spcPts val="400"/>
         </a:spcBef>
         <a:buFont typeface="Arial" panose="020B0604020202020204" pitchFamily="34" charset="0"/>
         <a:buChar char="•"/>
-        <a:defRPr sz="1485" kern="1200">
+        <a:defRPr sz="1440" kern="1200">
           <a:solidFill>
             <a:schemeClr val="tx1"/>
           </a:solidFill>
@@ -2820,16 +2815,16 @@
           <a:cs typeface="+mn-cs"/>
         </a:defRPr>
       </a:lvl7pPr>
-      <a:lvl8pPr marL="2828925" indent="-188595" algn="l" defTabSz="754380" rtl="0" eaLnBrk="1" latinLnBrk="0" hangingPunct="1">
+      <a:lvl8pPr marL="2743200" indent="-182880" algn="l" defTabSz="731520" rtl="0" eaLnBrk="1" latinLnBrk="0" hangingPunct="1">
         <a:lnSpc>
           <a:spcPct val="90000"/>
         </a:lnSpc>
         <a:spcBef>
-          <a:spcPts val="413"/>
+          <a:spcPts val="400"/>
         </a:spcBef>
         <a:buFont typeface="Arial" panose="020B0604020202020204" pitchFamily="34" charset="0"/>
         <a:buChar char="•"/>
-        <a:defRPr sz="1485" kern="1200">
+        <a:defRPr sz="1440" kern="1200">
           <a:solidFill>
             <a:schemeClr val="tx1"/>
           </a:solidFill>
@@ -2838,16 +2833,16 @@
           <a:cs typeface="+mn-cs"/>
         </a:defRPr>
       </a:lvl8pPr>
-      <a:lvl9pPr marL="3206115" indent="-188595" algn="l" defTabSz="754380" rtl="0" eaLnBrk="1" latinLnBrk="0" hangingPunct="1">
+      <a:lvl9pPr marL="3108960" indent="-182880" algn="l" defTabSz="731520" rtl="0" eaLnBrk="1" latinLnBrk="0" hangingPunct="1">
         <a:lnSpc>
           <a:spcPct val="90000"/>
         </a:lnSpc>
         <a:spcBef>
-          <a:spcPts val="413"/>
+          <a:spcPts val="400"/>
         </a:spcBef>
         <a:buFont typeface="Arial" panose="020B0604020202020204" pitchFamily="34" charset="0"/>
         <a:buChar char="•"/>
-        <a:defRPr sz="1485" kern="1200">
+        <a:defRPr sz="1440" kern="1200">
           <a:solidFill>
             <a:schemeClr val="tx1"/>
           </a:solidFill>
@@ -2861,8 +2856,8 @@
       <a:defPPr>
         <a:defRPr lang="en-US"/>
       </a:defPPr>
-      <a:lvl1pPr marL="0" algn="l" defTabSz="754380" rtl="0" eaLnBrk="1" latinLnBrk="0" hangingPunct="1">
-        <a:defRPr sz="1485" kern="1200">
+      <a:lvl1pPr marL="0" algn="l" defTabSz="731520" rtl="0" eaLnBrk="1" latinLnBrk="0" hangingPunct="1">
+        <a:defRPr sz="1440" kern="1200">
           <a:solidFill>
             <a:schemeClr val="tx1"/>
           </a:solidFill>
@@ -2871,8 +2866,8 @@
           <a:cs typeface="+mn-cs"/>
         </a:defRPr>
       </a:lvl1pPr>
-      <a:lvl2pPr marL="377190" algn="l" defTabSz="754380" rtl="0" eaLnBrk="1" latinLnBrk="0" hangingPunct="1">
-        <a:defRPr sz="1485" kern="1200">
+      <a:lvl2pPr marL="365760" algn="l" defTabSz="731520" rtl="0" eaLnBrk="1" latinLnBrk="0" hangingPunct="1">
+        <a:defRPr sz="1440" kern="1200">
           <a:solidFill>
             <a:schemeClr val="tx1"/>
           </a:solidFill>
@@ -2881,8 +2876,8 @@
           <a:cs typeface="+mn-cs"/>
         </a:defRPr>
       </a:lvl2pPr>
-      <a:lvl3pPr marL="754380" algn="l" defTabSz="754380" rtl="0" eaLnBrk="1" latinLnBrk="0" hangingPunct="1">
-        <a:defRPr sz="1485" kern="1200">
+      <a:lvl3pPr marL="731520" algn="l" defTabSz="731520" rtl="0" eaLnBrk="1" latinLnBrk="0" hangingPunct="1">
+        <a:defRPr sz="1440" kern="1200">
           <a:solidFill>
             <a:schemeClr val="tx1"/>
           </a:solidFill>
@@ -2891,8 +2886,8 @@
           <a:cs typeface="+mn-cs"/>
         </a:defRPr>
       </a:lvl3pPr>
-      <a:lvl4pPr marL="1131570" algn="l" defTabSz="754380" rtl="0" eaLnBrk="1" latinLnBrk="0" hangingPunct="1">
-        <a:defRPr sz="1485" kern="1200">
+      <a:lvl4pPr marL="1097280" algn="l" defTabSz="731520" rtl="0" eaLnBrk="1" latinLnBrk="0" hangingPunct="1">
+        <a:defRPr sz="1440" kern="1200">
           <a:solidFill>
             <a:schemeClr val="tx1"/>
           </a:solidFill>
@@ -2901,8 +2896,8 @@
           <a:cs typeface="+mn-cs"/>
         </a:defRPr>
       </a:lvl4pPr>
-      <a:lvl5pPr marL="1508760" algn="l" defTabSz="754380" rtl="0" eaLnBrk="1" latinLnBrk="0" hangingPunct="1">
-        <a:defRPr sz="1485" kern="1200">
+      <a:lvl5pPr marL="1463040" algn="l" defTabSz="731520" rtl="0" eaLnBrk="1" latinLnBrk="0" hangingPunct="1">
+        <a:defRPr sz="1440" kern="1200">
           <a:solidFill>
             <a:schemeClr val="tx1"/>
           </a:solidFill>
@@ -2911,8 +2906,8 @@
           <a:cs typeface="+mn-cs"/>
         </a:defRPr>
       </a:lvl5pPr>
-      <a:lvl6pPr marL="1885950" algn="l" defTabSz="754380" rtl="0" eaLnBrk="1" latinLnBrk="0" hangingPunct="1">
-        <a:defRPr sz="1485" kern="1200">
+      <a:lvl6pPr marL="1828800" algn="l" defTabSz="731520" rtl="0" eaLnBrk="1" latinLnBrk="0" hangingPunct="1">
+        <a:defRPr sz="1440" kern="1200">
           <a:solidFill>
             <a:schemeClr val="tx1"/>
           </a:solidFill>
@@ -2921,8 +2916,8 @@
           <a:cs typeface="+mn-cs"/>
         </a:defRPr>
       </a:lvl6pPr>
-      <a:lvl7pPr marL="2263140" algn="l" defTabSz="754380" rtl="0" eaLnBrk="1" latinLnBrk="0" hangingPunct="1">
-        <a:defRPr sz="1485" kern="1200">
+      <a:lvl7pPr marL="2194560" algn="l" defTabSz="731520" rtl="0" eaLnBrk="1" latinLnBrk="0" hangingPunct="1">
+        <a:defRPr sz="1440" kern="1200">
           <a:solidFill>
             <a:schemeClr val="tx1"/>
           </a:solidFill>
@@ -2931,8 +2926,8 @@
           <a:cs typeface="+mn-cs"/>
         </a:defRPr>
       </a:lvl7pPr>
-      <a:lvl8pPr marL="2640330" algn="l" defTabSz="754380" rtl="0" eaLnBrk="1" latinLnBrk="0" hangingPunct="1">
-        <a:defRPr sz="1485" kern="1200">
+      <a:lvl8pPr marL="2560320" algn="l" defTabSz="731520" rtl="0" eaLnBrk="1" latinLnBrk="0" hangingPunct="1">
+        <a:defRPr sz="1440" kern="1200">
           <a:solidFill>
             <a:schemeClr val="tx1"/>
           </a:solidFill>
@@ -2941,8 +2936,8 @@
           <a:cs typeface="+mn-cs"/>
         </a:defRPr>
       </a:lvl8pPr>
-      <a:lvl9pPr marL="3017520" algn="l" defTabSz="754380" rtl="0" eaLnBrk="1" latinLnBrk="0" hangingPunct="1">
-        <a:defRPr sz="1485" kern="1200">
+      <a:lvl9pPr marL="2926080" algn="l" defTabSz="731520" rtl="0" eaLnBrk="1" latinLnBrk="0" hangingPunct="1">
+        <a:defRPr sz="1440" kern="1200">
           <a:solidFill>
             <a:schemeClr val="tx1"/>
           </a:solidFill>
@@ -2975,10 +2970,10 @@
       </p:grpSpPr>
       <p:pic>
         <p:nvPicPr>
-          <p:cNvPr id="11" name="Picture 10">
+          <p:cNvPr id="5" name="Picture 4">
             <a:extLst>
               <a:ext uri="{FF2B5EF4-FFF2-40B4-BE49-F238E27FC236}">
-                <a16:creationId xmlns:a16="http://schemas.microsoft.com/office/drawing/2014/main" id="{1B747A27-7AB9-D14E-ACCD-06CCCBCFB06E}"/>
+                <a16:creationId xmlns:a16="http://schemas.microsoft.com/office/drawing/2014/main" id="{A3FDEAD0-C1BD-5A4F-9C6F-EBD5EBD45EF4}"/>
               </a:ext>
             </a:extLst>
           </p:cNvPr>
@@ -2989,13 +2984,13 @@
         </p:nvPicPr>
         <p:blipFill rotWithShape="1">
           <a:blip r:embed="rId2"/>
-          <a:srcRect l="9551" t="8406" r="6689" b="11735"/>
+          <a:srcRect l="11760" t="9755" r="7884" b="11757"/>
           <a:stretch/>
         </p:blipFill>
         <p:spPr>
           <a:xfrm>
-            <a:off x="747095" y="87735"/>
-            <a:ext cx="9198429" cy="5846647"/>
+            <a:off x="969124" y="118492"/>
+            <a:ext cx="9274332" cy="4831308"/>
           </a:xfrm>
           <a:prstGeom prst="rect">
             <a:avLst/>
@@ -3004,20 +2999,20 @@
       </p:pic>
       <p:sp>
         <p:nvSpPr>
-          <p:cNvPr id="6" name="TextBox 5">
+          <p:cNvPr id="11" name="Rectangle 10">
             <a:extLst>
               <a:ext uri="{FF2B5EF4-FFF2-40B4-BE49-F238E27FC236}">
-                <a16:creationId xmlns:a16="http://schemas.microsoft.com/office/drawing/2014/main" id="{B844FE6F-46CE-024A-BAEC-691803854586}"/>
+                <a16:creationId xmlns:a16="http://schemas.microsoft.com/office/drawing/2014/main" id="{75F4BDCF-9408-BA45-BD01-96511B1381F4}"/>
               </a:ext>
             </a:extLst>
           </p:cNvPr>
-          <p:cNvSpPr txBox="1"/>
+          <p:cNvSpPr/>
           <p:nvPr/>
         </p:nvSpPr>
         <p:spPr>
-          <a:xfrm rot="16200000">
-            <a:off x="-1938278" y="2789524"/>
-            <a:ext cx="4700241" cy="369332"/>
+          <a:xfrm>
+            <a:off x="585163" y="623304"/>
+            <a:ext cx="397866" cy="276999"/>
           </a:xfrm>
           <a:prstGeom prst="rect">
             <a:avLst/>
@@ -3027,40 +3022,21 @@
           </a:solidFill>
         </p:spPr>
         <p:txBody>
-          <a:bodyPr wrap="square" rtlCol="0">
+          <a:bodyPr wrap="none">
             <a:spAutoFit/>
           </a:bodyPr>
           <a:lstStyle/>
           <a:p>
-            <a:r>
-              <a:rPr lang="en-US" sz="1800" dirty="0">
+            <a:pPr defTabSz="669341"/>
+            <a:r>
+              <a:rPr lang="en-US" sz="1200" kern="0" dirty="0">
                 <a:solidFill>
                   <a:srgbClr val="262626"/>
                 </a:solidFill>
                 <a:latin typeface="Arial" panose="020B0604020202020204" pitchFamily="34" charset="0"/>
                 <a:cs typeface="Arial" panose="020B0604020202020204" pitchFamily="34" charset="0"/>
               </a:rPr>
-              <a:t>Adaptive Subs per Codon per Year (x 10</a:t>
-            </a:r>
-            <a:r>
-              <a:rPr lang="en-US" sz="1800" baseline="30000" dirty="0">
-                <a:solidFill>
-                  <a:srgbClr val="262626"/>
-                </a:solidFill>
-                <a:latin typeface="Arial" panose="020B0604020202020204" pitchFamily="34" charset="0"/>
-                <a:cs typeface="Arial" panose="020B0604020202020204" pitchFamily="34" charset="0"/>
-              </a:rPr>
-              <a:t>-3</a:t>
-            </a:r>
-            <a:r>
-              <a:rPr lang="en-US" sz="1800" dirty="0">
-                <a:solidFill>
-                  <a:srgbClr val="262626"/>
-                </a:solidFill>
-                <a:latin typeface="Arial" panose="020B0604020202020204" pitchFamily="34" charset="0"/>
-                <a:cs typeface="Arial" panose="020B0604020202020204" pitchFamily="34" charset="0"/>
-              </a:rPr>
-              <a:t>)</a:t>
+              <a:t>1.0</a:t>
             </a:r>
           </a:p>
         </p:txBody>
@@ -3070,7 +3046,7 @@
           <p:cNvPr id="12" name="Rectangle 11">
             <a:extLst>
               <a:ext uri="{FF2B5EF4-FFF2-40B4-BE49-F238E27FC236}">
-                <a16:creationId xmlns:a16="http://schemas.microsoft.com/office/drawing/2014/main" id="{D70A45B7-4D3D-D64B-BB69-9E76C474FDF7}"/>
+                <a16:creationId xmlns:a16="http://schemas.microsoft.com/office/drawing/2014/main" id="{2E6FF0C3-CE72-3D47-854D-357F4689B65A}"/>
               </a:ext>
             </a:extLst>
           </p:cNvPr>
@@ -3079,8 +3055,8 @@
         </p:nvSpPr>
         <p:spPr>
           <a:xfrm>
-            <a:off x="1376856" y="5934382"/>
-            <a:ext cx="1505540" cy="369332"/>
+            <a:off x="585163" y="1388379"/>
+            <a:ext cx="397866" cy="276999"/>
           </a:xfrm>
           <a:prstGeom prst="rect">
             <a:avLst/>
@@ -3095,15 +3071,16 @@
           </a:bodyPr>
           <a:lstStyle/>
           <a:p>
-            <a:r>
-              <a:rPr lang="en-US" sz="1800" dirty="0">
+            <a:pPr defTabSz="669341"/>
+            <a:r>
+              <a:rPr lang="en-US" sz="1200" kern="0" dirty="0">
                 <a:solidFill>
-                  <a:srgbClr val="272727"/>
+                  <a:srgbClr val="262626"/>
                 </a:solidFill>
                 <a:latin typeface="Arial" panose="020B0604020202020204" pitchFamily="34" charset="0"/>
                 <a:cs typeface="Arial" panose="020B0604020202020204" pitchFamily="34" charset="0"/>
               </a:rPr>
-              <a:t>polymerase  </a:t>
+              <a:t>0.8</a:t>
             </a:r>
           </a:p>
         </p:txBody>
@@ -3113,7 +3090,7 @@
           <p:cNvPr id="13" name="Rectangle 12">
             <a:extLst>
               <a:ext uri="{FF2B5EF4-FFF2-40B4-BE49-F238E27FC236}">
-                <a16:creationId xmlns:a16="http://schemas.microsoft.com/office/drawing/2014/main" id="{E7F0B4F1-F5B0-D44B-8C03-91B31741ED95}"/>
+                <a16:creationId xmlns:a16="http://schemas.microsoft.com/office/drawing/2014/main" id="{6B684AB6-A7BF-EB40-9CD9-9D6EB0392598}"/>
               </a:ext>
             </a:extLst>
           </p:cNvPr>
@@ -3122,8 +3099,8 @@
         </p:nvSpPr>
         <p:spPr>
           <a:xfrm>
-            <a:off x="3988871" y="5936050"/>
-            <a:ext cx="2618757" cy="369332"/>
+            <a:off x="571258" y="2153454"/>
+            <a:ext cx="397866" cy="276999"/>
           </a:xfrm>
           <a:prstGeom prst="rect">
             <a:avLst/>
@@ -3133,20 +3110,21 @@
           </a:solidFill>
         </p:spPr>
         <p:txBody>
-          <a:bodyPr wrap="square">
+          <a:bodyPr wrap="none">
             <a:spAutoFit/>
           </a:bodyPr>
           <a:lstStyle/>
           <a:p>
-            <a:r>
-              <a:rPr lang="en-US" sz="1800" dirty="0">
+            <a:pPr defTabSz="669341"/>
+            <a:r>
+              <a:rPr lang="en-US" sz="1200" kern="0" dirty="0">
                 <a:solidFill>
-                  <a:srgbClr val="272727"/>
+                  <a:srgbClr val="262626"/>
                 </a:solidFill>
                 <a:latin typeface="Arial" panose="020B0604020202020204" pitchFamily="34" charset="0"/>
                 <a:cs typeface="Arial" panose="020B0604020202020204" pitchFamily="34" charset="0"/>
               </a:rPr>
-              <a:t>receptor binding protein  </a:t>
+              <a:t>0.6</a:t>
             </a:r>
           </a:p>
         </p:txBody>
@@ -3156,7 +3134,7 @@
           <p:cNvPr id="14" name="Rectangle 13">
             <a:extLst>
               <a:ext uri="{FF2B5EF4-FFF2-40B4-BE49-F238E27FC236}">
-                <a16:creationId xmlns:a16="http://schemas.microsoft.com/office/drawing/2014/main" id="{FA695827-0A6A-144E-B83E-967A562218A2}"/>
+                <a16:creationId xmlns:a16="http://schemas.microsoft.com/office/drawing/2014/main" id="{60C41BAE-F691-544F-A5E8-9ECD35824815}"/>
               </a:ext>
             </a:extLst>
           </p:cNvPr>
@@ -3165,8 +3143,8 @@
         </p:nvSpPr>
         <p:spPr>
           <a:xfrm>
-            <a:off x="7058232" y="5934382"/>
-            <a:ext cx="2738500" cy="369332"/>
+            <a:off x="585163" y="2918529"/>
+            <a:ext cx="397866" cy="276999"/>
           </a:xfrm>
           <a:prstGeom prst="rect">
             <a:avLst/>
@@ -3176,331 +3154,31 @@
           </a:solidFill>
         </p:spPr>
         <p:txBody>
-          <a:bodyPr wrap="square">
+          <a:bodyPr wrap="none">
             <a:spAutoFit/>
           </a:bodyPr>
           <a:lstStyle/>
           <a:p>
-            <a:r>
-              <a:rPr lang="en-US" sz="1800" dirty="0">
+            <a:pPr defTabSz="669341"/>
+            <a:r>
+              <a:rPr lang="en-US" sz="1200" kern="0" dirty="0">
                 <a:solidFill>
-                  <a:srgbClr val="272727"/>
+                  <a:srgbClr val="262626"/>
                 </a:solidFill>
                 <a:latin typeface="Arial" panose="020B0604020202020204" pitchFamily="34" charset="0"/>
                 <a:cs typeface="Arial" panose="020B0604020202020204" pitchFamily="34" charset="0"/>
               </a:rPr>
-              <a:t>membrane fusion protein  </a:t>
-            </a:r>
-          </a:p>
-        </p:txBody>
-      </p:sp>
-      <p:grpSp>
-        <p:nvGrpSpPr>
-          <p:cNvPr id="21" name="Group 20">
+              <a:t>0.4</a:t>
+            </a:r>
+          </a:p>
+        </p:txBody>
+      </p:sp>
+      <p:sp>
+        <p:nvSpPr>
+          <p:cNvPr id="15" name="Rectangle 14">
             <a:extLst>
               <a:ext uri="{FF2B5EF4-FFF2-40B4-BE49-F238E27FC236}">
-                <a16:creationId xmlns:a16="http://schemas.microsoft.com/office/drawing/2014/main" id="{7CF754EB-45A0-9141-86B9-906F69CE0102}"/>
-              </a:ext>
-            </a:extLst>
-          </p:cNvPr>
-          <p:cNvGrpSpPr/>
-          <p:nvPr/>
-        </p:nvGrpSpPr>
-        <p:grpSpPr>
-          <a:xfrm>
-            <a:off x="8286211" y="409575"/>
-            <a:ext cx="1236236" cy="1077218"/>
-            <a:chOff x="6962321" y="746125"/>
-            <a:chExt cx="1236236" cy="1077218"/>
-          </a:xfrm>
-        </p:grpSpPr>
-        <p:sp>
-          <p:nvSpPr>
-            <p:cNvPr id="15" name="TextBox 14">
-              <a:extLst>
-                <a:ext uri="{FF2B5EF4-FFF2-40B4-BE49-F238E27FC236}">
-                  <a16:creationId xmlns:a16="http://schemas.microsoft.com/office/drawing/2014/main" id="{FEBC1561-0C2B-DA48-87CE-4C1D41CC6729}"/>
-                </a:ext>
-              </a:extLst>
-            </p:cNvPr>
-            <p:cNvSpPr txBox="1"/>
-            <p:nvPr/>
-          </p:nvSpPr>
-          <p:spPr>
-            <a:xfrm>
-              <a:off x="6962321" y="746125"/>
-              <a:ext cx="1236236" cy="1077218"/>
-            </a:xfrm>
-            <a:prstGeom prst="rect">
-              <a:avLst/>
-            </a:prstGeom>
-            <a:solidFill>
-              <a:schemeClr val="bg1"/>
-            </a:solidFill>
-            <a:ln w="15875" cap="rnd">
-              <a:solidFill>
-                <a:srgbClr val="D6D6D6"/>
-              </a:solidFill>
-            </a:ln>
-          </p:spPr>
-          <p:txBody>
-            <a:bodyPr wrap="none" rtlCol="0">
-              <a:spAutoFit/>
-            </a:bodyPr>
-            <a:lstStyle/>
-            <a:p>
-              <a:r>
-                <a:rPr lang="en-US" sz="1600" dirty="0">
-                  <a:latin typeface="Arial" panose="020B0604020202020204" pitchFamily="34" charset="0"/>
-                  <a:cs typeface="Arial" panose="020B0604020202020204" pitchFamily="34" charset="0"/>
-                </a:rPr>
-                <a:t>     H3N2</a:t>
-              </a:r>
-            </a:p>
-            <a:p>
-              <a:r>
-                <a:rPr lang="en-US" sz="1600" dirty="0">
-                  <a:latin typeface="Arial" panose="020B0604020202020204" pitchFamily="34" charset="0"/>
-                  <a:cs typeface="Arial" panose="020B0604020202020204" pitchFamily="34" charset="0"/>
-                </a:rPr>
-                <a:t>     measles</a:t>
-              </a:r>
-            </a:p>
-            <a:p>
-              <a:r>
-                <a:rPr lang="en-US" sz="1600" dirty="0">
-                  <a:latin typeface="Arial" panose="020B0604020202020204" pitchFamily="34" charset="0"/>
-                  <a:cs typeface="Arial" panose="020B0604020202020204" pitchFamily="34" charset="0"/>
-                </a:rPr>
-                <a:t>     OC43A</a:t>
-              </a:r>
-            </a:p>
-            <a:p>
-              <a:r>
-                <a:rPr lang="en-US" sz="1600" dirty="0">
-                  <a:latin typeface="Arial" panose="020B0604020202020204" pitchFamily="34" charset="0"/>
-                  <a:cs typeface="Arial" panose="020B0604020202020204" pitchFamily="34" charset="0"/>
-                </a:rPr>
-                <a:t>     229E</a:t>
-              </a:r>
-            </a:p>
-          </p:txBody>
-        </p:sp>
-        <p:sp>
-          <p:nvSpPr>
-            <p:cNvPr id="16" name="Oval 15">
-              <a:extLst>
-                <a:ext uri="{FF2B5EF4-FFF2-40B4-BE49-F238E27FC236}">
-                  <a16:creationId xmlns:a16="http://schemas.microsoft.com/office/drawing/2014/main" id="{05BF58A1-F4D3-494F-B4AD-E24AA4F9D2CC}"/>
-                </a:ext>
-              </a:extLst>
-            </p:cNvPr>
-            <p:cNvSpPr/>
-            <p:nvPr/>
-          </p:nvSpPr>
-          <p:spPr>
-            <a:xfrm>
-              <a:off x="7058232" y="825500"/>
-              <a:ext cx="171243" cy="171243"/>
-            </a:xfrm>
-            <a:prstGeom prst="ellipse">
-              <a:avLst/>
-            </a:prstGeom>
-            <a:solidFill>
-              <a:schemeClr val="tx1"/>
-            </a:solidFill>
-            <a:ln>
-              <a:noFill/>
-            </a:ln>
-          </p:spPr>
-          <p:style>
-            <a:lnRef idx="2">
-              <a:schemeClr val="accent1">
-                <a:shade val="50000"/>
-              </a:schemeClr>
-            </a:lnRef>
-            <a:fillRef idx="1">
-              <a:schemeClr val="accent1"/>
-            </a:fillRef>
-            <a:effectRef idx="0">
-              <a:schemeClr val="accent1"/>
-            </a:effectRef>
-            <a:fontRef idx="minor">
-              <a:schemeClr val="lt1"/>
-            </a:fontRef>
-          </p:style>
-          <p:txBody>
-            <a:bodyPr rtlCol="0" anchor="ctr"/>
-            <a:lstStyle/>
-            <a:p>
-              <a:pPr algn="ctr"/>
-              <a:endParaRPr lang="en-US"/>
-            </a:p>
-          </p:txBody>
-        </p:sp>
-        <p:sp>
-          <p:nvSpPr>
-            <p:cNvPr id="18" name="Oval 17">
-              <a:extLst>
-                <a:ext uri="{FF2B5EF4-FFF2-40B4-BE49-F238E27FC236}">
-                  <a16:creationId xmlns:a16="http://schemas.microsoft.com/office/drawing/2014/main" id="{A8AF6EB9-48A9-694F-97AB-1096B1CC9B03}"/>
-                </a:ext>
-              </a:extLst>
-            </p:cNvPr>
-            <p:cNvSpPr/>
-            <p:nvPr/>
-          </p:nvSpPr>
-          <p:spPr>
-            <a:xfrm>
-              <a:off x="7058232" y="1076118"/>
-              <a:ext cx="171243" cy="171243"/>
-            </a:xfrm>
-            <a:prstGeom prst="ellipse">
-              <a:avLst/>
-            </a:prstGeom>
-            <a:solidFill>
-              <a:srgbClr val="B8B8B8"/>
-            </a:solidFill>
-            <a:ln>
-              <a:noFill/>
-            </a:ln>
-          </p:spPr>
-          <p:style>
-            <a:lnRef idx="2">
-              <a:schemeClr val="accent1">
-                <a:shade val="50000"/>
-              </a:schemeClr>
-            </a:lnRef>
-            <a:fillRef idx="1">
-              <a:schemeClr val="accent1"/>
-            </a:fillRef>
-            <a:effectRef idx="0">
-              <a:schemeClr val="accent1"/>
-            </a:effectRef>
-            <a:fontRef idx="minor">
-              <a:schemeClr val="lt1"/>
-            </a:fontRef>
-          </p:style>
-          <p:txBody>
-            <a:bodyPr rtlCol="0" anchor="ctr"/>
-            <a:lstStyle/>
-            <a:p>
-              <a:pPr algn="ctr"/>
-              <a:endParaRPr lang="en-US"/>
-            </a:p>
-          </p:txBody>
-        </p:sp>
-        <p:sp>
-          <p:nvSpPr>
-            <p:cNvPr id="19" name="Oval 18">
-              <a:extLst>
-                <a:ext uri="{FF2B5EF4-FFF2-40B4-BE49-F238E27FC236}">
-                  <a16:creationId xmlns:a16="http://schemas.microsoft.com/office/drawing/2014/main" id="{6C366A97-8968-7E45-B35A-2B4F79F97943}"/>
-                </a:ext>
-              </a:extLst>
-            </p:cNvPr>
-            <p:cNvSpPr/>
-            <p:nvPr/>
-          </p:nvSpPr>
-          <p:spPr>
-            <a:xfrm>
-              <a:off x="7058231" y="1326736"/>
-              <a:ext cx="171243" cy="171243"/>
-            </a:xfrm>
-            <a:prstGeom prst="ellipse">
-              <a:avLst/>
-            </a:prstGeom>
-            <a:solidFill>
-              <a:srgbClr val="CB4335"/>
-            </a:solidFill>
-            <a:ln>
-              <a:noFill/>
-            </a:ln>
-          </p:spPr>
-          <p:style>
-            <a:lnRef idx="2">
-              <a:schemeClr val="accent1">
-                <a:shade val="50000"/>
-              </a:schemeClr>
-            </a:lnRef>
-            <a:fillRef idx="1">
-              <a:schemeClr val="accent1"/>
-            </a:fillRef>
-            <a:effectRef idx="0">
-              <a:schemeClr val="accent1"/>
-            </a:effectRef>
-            <a:fontRef idx="minor">
-              <a:schemeClr val="lt1"/>
-            </a:fontRef>
-          </p:style>
-          <p:txBody>
-            <a:bodyPr rtlCol="0" anchor="ctr"/>
-            <a:lstStyle/>
-            <a:p>
-              <a:pPr algn="ctr"/>
-              <a:endParaRPr lang="en-US"/>
-            </a:p>
-          </p:txBody>
-        </p:sp>
-        <p:sp>
-          <p:nvSpPr>
-            <p:cNvPr id="20" name="Oval 19">
-              <a:extLst>
-                <a:ext uri="{FF2B5EF4-FFF2-40B4-BE49-F238E27FC236}">
-                  <a16:creationId xmlns:a16="http://schemas.microsoft.com/office/drawing/2014/main" id="{BE5B5242-8662-CC41-A180-1B1BEF04D6CC}"/>
-                </a:ext>
-              </a:extLst>
-            </p:cNvPr>
-            <p:cNvSpPr/>
-            <p:nvPr/>
-          </p:nvSpPr>
-          <p:spPr>
-            <a:xfrm>
-              <a:off x="7058231" y="1575039"/>
-              <a:ext cx="171243" cy="171243"/>
-            </a:xfrm>
-            <a:prstGeom prst="ellipse">
-              <a:avLst/>
-            </a:prstGeom>
-            <a:solidFill>
-              <a:srgbClr val="2E86C1"/>
-            </a:solidFill>
-            <a:ln>
-              <a:noFill/>
-            </a:ln>
-          </p:spPr>
-          <p:style>
-            <a:lnRef idx="2">
-              <a:schemeClr val="accent1">
-                <a:shade val="50000"/>
-              </a:schemeClr>
-            </a:lnRef>
-            <a:fillRef idx="1">
-              <a:schemeClr val="accent1"/>
-            </a:fillRef>
-            <a:effectRef idx="0">
-              <a:schemeClr val="accent1"/>
-            </a:effectRef>
-            <a:fontRef idx="minor">
-              <a:schemeClr val="lt1"/>
-            </a:fontRef>
-          </p:style>
-          <p:txBody>
-            <a:bodyPr rtlCol="0" anchor="ctr"/>
-            <a:lstStyle/>
-            <a:p>
-              <a:pPr algn="ctr"/>
-              <a:endParaRPr lang="en-US"/>
-            </a:p>
-          </p:txBody>
-        </p:sp>
-      </p:grpSp>
-      <p:sp>
-        <p:nvSpPr>
-          <p:cNvPr id="22" name="Rectangle 21">
-            <a:extLst>
-              <a:ext uri="{FF2B5EF4-FFF2-40B4-BE49-F238E27FC236}">
-                <a16:creationId xmlns:a16="http://schemas.microsoft.com/office/drawing/2014/main" id="{7980E8E7-47AF-0E40-9A96-9198A1414559}"/>
+                <a16:creationId xmlns:a16="http://schemas.microsoft.com/office/drawing/2014/main" id="{97E8F1C4-A45A-A24D-A494-AC72B9404284}"/>
               </a:ext>
             </a:extLst>
           </p:cNvPr>
@@ -3509,8 +3187,8 @@
         </p:nvSpPr>
         <p:spPr>
           <a:xfrm>
-            <a:off x="558409" y="862124"/>
-            <a:ext cx="470000" cy="338554"/>
+            <a:off x="585163" y="3683604"/>
+            <a:ext cx="397866" cy="276999"/>
           </a:xfrm>
           <a:prstGeom prst="rect">
             <a:avLst/>
@@ -3525,25 +3203,26 @@
           </a:bodyPr>
           <a:lstStyle/>
           <a:p>
-            <a:r>
-              <a:rPr lang="en-US" sz="1600" dirty="0">
+            <a:pPr defTabSz="669341"/>
+            <a:r>
+              <a:rPr lang="en-US" sz="1200" kern="0" dirty="0">
                 <a:solidFill>
-                  <a:srgbClr val="272727"/>
+                  <a:srgbClr val="262626"/>
                 </a:solidFill>
                 <a:latin typeface="Arial" panose="020B0604020202020204" pitchFamily="34" charset="0"/>
                 <a:cs typeface="Arial" panose="020B0604020202020204" pitchFamily="34" charset="0"/>
               </a:rPr>
-              <a:t>2.0</a:t>
-            </a:r>
-          </a:p>
-        </p:txBody>
-      </p:sp>
-      <p:sp>
-        <p:nvSpPr>
-          <p:cNvPr id="23" name="Rectangle 22">
+              <a:t>0.2</a:t>
+            </a:r>
+          </a:p>
+        </p:txBody>
+      </p:sp>
+      <p:sp>
+        <p:nvSpPr>
+          <p:cNvPr id="16" name="Rectangle 15">
             <a:extLst>
               <a:ext uri="{FF2B5EF4-FFF2-40B4-BE49-F238E27FC236}">
-                <a16:creationId xmlns:a16="http://schemas.microsoft.com/office/drawing/2014/main" id="{97482477-8AA6-8540-8FA7-0DE7A7BB9392}"/>
+                <a16:creationId xmlns:a16="http://schemas.microsoft.com/office/drawing/2014/main" id="{D04246D2-8CD2-CA4D-BC57-AC61C9AC3169}"/>
               </a:ext>
             </a:extLst>
           </p:cNvPr>
@@ -3552,8 +3231,8 @@
         </p:nvSpPr>
         <p:spPr>
           <a:xfrm>
-            <a:off x="558409" y="1998557"/>
-            <a:ext cx="470000" cy="338554"/>
+            <a:off x="585163" y="4450394"/>
+            <a:ext cx="397866" cy="276999"/>
           </a:xfrm>
           <a:prstGeom prst="rect">
             <a:avLst/>
@@ -3568,25 +3247,26 @@
           </a:bodyPr>
           <a:lstStyle/>
           <a:p>
-            <a:r>
-              <a:rPr lang="en-US" sz="1600" dirty="0">
+            <a:pPr defTabSz="669341"/>
+            <a:r>
+              <a:rPr lang="en-US" sz="1200" kern="0" dirty="0">
                 <a:solidFill>
-                  <a:srgbClr val="272727"/>
+                  <a:srgbClr val="262626"/>
                 </a:solidFill>
                 <a:latin typeface="Arial" panose="020B0604020202020204" pitchFamily="34" charset="0"/>
                 <a:cs typeface="Arial" panose="020B0604020202020204" pitchFamily="34" charset="0"/>
               </a:rPr>
-              <a:t>1.5</a:t>
-            </a:r>
-          </a:p>
-        </p:txBody>
-      </p:sp>
-      <p:sp>
-        <p:nvSpPr>
-          <p:cNvPr id="24" name="Rectangle 23">
+              <a:t>0.0</a:t>
+            </a:r>
+          </a:p>
+        </p:txBody>
+      </p:sp>
+      <p:sp>
+        <p:nvSpPr>
+          <p:cNvPr id="22" name="Rectangle 21">
             <a:extLst>
               <a:ext uri="{FF2B5EF4-FFF2-40B4-BE49-F238E27FC236}">
-                <a16:creationId xmlns:a16="http://schemas.microsoft.com/office/drawing/2014/main" id="{64EAEC00-0CF0-F841-BD66-26E475BAA8EA}"/>
+                <a16:creationId xmlns:a16="http://schemas.microsoft.com/office/drawing/2014/main" id="{A7292DF0-9DF3-174D-9BE0-32D1082B96E2}"/>
               </a:ext>
             </a:extLst>
           </p:cNvPr>
@@ -3595,8 +3275,248 @@
         </p:nvSpPr>
         <p:spPr>
           <a:xfrm>
-            <a:off x="558409" y="3134990"/>
-            <a:ext cx="470000" cy="338554"/>
+            <a:off x="1456334" y="5065491"/>
+            <a:ext cx="696024" cy="338554"/>
+          </a:xfrm>
+          <a:prstGeom prst="rect">
+            <a:avLst/>
+          </a:prstGeom>
+          <a:solidFill>
+            <a:sysClr val="window" lastClr="FFFFFF"/>
+          </a:solidFill>
+        </p:spPr>
+        <p:txBody>
+          <a:bodyPr wrap="none">
+            <a:spAutoFit/>
+          </a:bodyPr>
+          <a:lstStyle/>
+          <a:p>
+            <a:pPr defTabSz="669341"/>
+            <a:r>
+              <a:rPr lang="en-US" sz="1600" kern="0" dirty="0">
+                <a:solidFill>
+                  <a:srgbClr val="262626"/>
+                </a:solidFill>
+                <a:latin typeface="Arial" panose="020B0604020202020204" pitchFamily="34" charset="0"/>
+                <a:cs typeface="Arial" panose="020B0604020202020204" pitchFamily="34" charset="0"/>
+              </a:rPr>
+              <a:t>Spike</a:t>
+            </a:r>
+          </a:p>
+        </p:txBody>
+      </p:sp>
+      <p:sp>
+        <p:nvSpPr>
+          <p:cNvPr id="23" name="Rectangle 22">
+            <a:extLst>
+              <a:ext uri="{FF2B5EF4-FFF2-40B4-BE49-F238E27FC236}">
+                <a16:creationId xmlns:a16="http://schemas.microsoft.com/office/drawing/2014/main" id="{7ADE1BA2-357C-DB4C-8DFB-BD31DF2ED35C}"/>
+              </a:ext>
+            </a:extLst>
+          </p:cNvPr>
+          <p:cNvSpPr/>
+          <p:nvPr/>
+        </p:nvSpPr>
+        <p:spPr>
+          <a:xfrm>
+            <a:off x="4110947" y="5065491"/>
+            <a:ext cx="434734" cy="338554"/>
+          </a:xfrm>
+          <a:prstGeom prst="rect">
+            <a:avLst/>
+          </a:prstGeom>
+          <a:solidFill>
+            <a:sysClr val="window" lastClr="FFFFFF"/>
+          </a:solidFill>
+        </p:spPr>
+        <p:txBody>
+          <a:bodyPr wrap="none">
+            <a:spAutoFit/>
+          </a:bodyPr>
+          <a:lstStyle/>
+          <a:p>
+            <a:pPr defTabSz="669341"/>
+            <a:r>
+              <a:rPr lang="en-US" sz="1600" kern="0" dirty="0">
+                <a:solidFill>
+                  <a:srgbClr val="262626"/>
+                </a:solidFill>
+                <a:latin typeface="Arial" panose="020B0604020202020204" pitchFamily="34" charset="0"/>
+                <a:cs typeface="Arial" panose="020B0604020202020204" pitchFamily="34" charset="0"/>
+              </a:rPr>
+              <a:t>S1</a:t>
+            </a:r>
+          </a:p>
+        </p:txBody>
+      </p:sp>
+      <p:sp>
+        <p:nvSpPr>
+          <p:cNvPr id="24" name="Rectangle 23">
+            <a:extLst>
+              <a:ext uri="{FF2B5EF4-FFF2-40B4-BE49-F238E27FC236}">
+                <a16:creationId xmlns:a16="http://schemas.microsoft.com/office/drawing/2014/main" id="{AB0AB9A0-85ED-F348-A208-87B86413FB0E}"/>
+              </a:ext>
+            </a:extLst>
+          </p:cNvPr>
+          <p:cNvSpPr/>
+          <p:nvPr/>
+        </p:nvSpPr>
+        <p:spPr>
+          <a:xfrm>
+            <a:off x="6504270" y="5065491"/>
+            <a:ext cx="434734" cy="338554"/>
+          </a:xfrm>
+          <a:prstGeom prst="rect">
+            <a:avLst/>
+          </a:prstGeom>
+          <a:solidFill>
+            <a:sysClr val="window" lastClr="FFFFFF"/>
+          </a:solidFill>
+        </p:spPr>
+        <p:txBody>
+          <a:bodyPr wrap="none">
+            <a:spAutoFit/>
+          </a:bodyPr>
+          <a:lstStyle/>
+          <a:p>
+            <a:pPr defTabSz="669341"/>
+            <a:r>
+              <a:rPr lang="en-US" sz="1600" kern="0" dirty="0">
+                <a:solidFill>
+                  <a:srgbClr val="262626"/>
+                </a:solidFill>
+                <a:latin typeface="Arial" panose="020B0604020202020204" pitchFamily="34" charset="0"/>
+                <a:cs typeface="Arial" panose="020B0604020202020204" pitchFamily="34" charset="0"/>
+              </a:rPr>
+              <a:t>S2</a:t>
+            </a:r>
+          </a:p>
+        </p:txBody>
+      </p:sp>
+      <p:sp>
+        <p:nvSpPr>
+          <p:cNvPr id="25" name="Rectangle 24">
+            <a:extLst>
+              <a:ext uri="{FF2B5EF4-FFF2-40B4-BE49-F238E27FC236}">
+                <a16:creationId xmlns:a16="http://schemas.microsoft.com/office/drawing/2014/main" id="{1601052A-2788-8849-9A47-5B91206E979F}"/>
+              </a:ext>
+            </a:extLst>
+          </p:cNvPr>
+          <p:cNvSpPr/>
+          <p:nvPr/>
+        </p:nvSpPr>
+        <p:spPr>
+          <a:xfrm>
+            <a:off x="8897597" y="5065491"/>
+            <a:ext cx="707245" cy="338554"/>
+          </a:xfrm>
+          <a:prstGeom prst="rect">
+            <a:avLst/>
+          </a:prstGeom>
+          <a:solidFill>
+            <a:sysClr val="window" lastClr="FFFFFF"/>
+          </a:solidFill>
+        </p:spPr>
+        <p:txBody>
+          <a:bodyPr wrap="none">
+            <a:spAutoFit/>
+          </a:bodyPr>
+          <a:lstStyle/>
+          <a:p>
+            <a:pPr defTabSz="669341"/>
+            <a:r>
+              <a:rPr lang="en-US" sz="1600" kern="0" dirty="0">
+                <a:solidFill>
+                  <a:srgbClr val="262626"/>
+                </a:solidFill>
+                <a:latin typeface="Arial" panose="020B0604020202020204" pitchFamily="34" charset="0"/>
+                <a:cs typeface="Arial" panose="020B0604020202020204" pitchFamily="34" charset="0"/>
+              </a:rPr>
+              <a:t>RdRp</a:t>
+            </a:r>
+          </a:p>
+        </p:txBody>
+      </p:sp>
+      <p:sp>
+        <p:nvSpPr>
+          <p:cNvPr id="26" name="Rectangle 25">
+            <a:extLst>
+              <a:ext uri="{FF2B5EF4-FFF2-40B4-BE49-F238E27FC236}">
+                <a16:creationId xmlns:a16="http://schemas.microsoft.com/office/drawing/2014/main" id="{16F59C0C-BBC5-5C42-A488-191E428231A4}"/>
+              </a:ext>
+            </a:extLst>
+          </p:cNvPr>
+          <p:cNvSpPr/>
+          <p:nvPr/>
+        </p:nvSpPr>
+        <p:spPr>
+          <a:xfrm rot="16200000">
+            <a:off x="-1603536" y="2459540"/>
+            <a:ext cx="4011034" cy="338554"/>
+          </a:xfrm>
+          <a:prstGeom prst="rect">
+            <a:avLst/>
+          </a:prstGeom>
+          <a:solidFill>
+            <a:sysClr val="window" lastClr="FFFFFF"/>
+          </a:solidFill>
+        </p:spPr>
+        <p:txBody>
+          <a:bodyPr wrap="none">
+            <a:spAutoFit/>
+          </a:bodyPr>
+          <a:lstStyle/>
+          <a:p>
+            <a:pPr defTabSz="669341"/>
+            <a:r>
+              <a:rPr lang="en-US" sz="1600" kern="0" dirty="0">
+                <a:solidFill>
+                  <a:srgbClr val="262626"/>
+                </a:solidFill>
+                <a:latin typeface="Arial" panose="020B0604020202020204" pitchFamily="34" charset="0"/>
+                <a:cs typeface="Arial" panose="020B0604020202020204" pitchFamily="34" charset="0"/>
+              </a:rPr>
+              <a:t>Adaptive Subs per Codon per Year (x10</a:t>
+            </a:r>
+            <a:r>
+              <a:rPr lang="en-US" sz="1600" kern="0" baseline="30000" dirty="0">
+                <a:solidFill>
+                  <a:srgbClr val="262626"/>
+                </a:solidFill>
+                <a:latin typeface="Arial" panose="020B0604020202020204" pitchFamily="34" charset="0"/>
+                <a:cs typeface="Arial" panose="020B0604020202020204" pitchFamily="34" charset="0"/>
+              </a:rPr>
+              <a:t>-3</a:t>
+            </a:r>
+            <a:r>
+              <a:rPr lang="en-US" sz="1600" kern="0" dirty="0">
+                <a:solidFill>
+                  <a:srgbClr val="262626"/>
+                </a:solidFill>
+                <a:latin typeface="Arial" panose="020B0604020202020204" pitchFamily="34" charset="0"/>
+                <a:cs typeface="Arial" panose="020B0604020202020204" pitchFamily="34" charset="0"/>
+              </a:rPr>
+              <a:t>)</a:t>
+            </a:r>
+          </a:p>
+        </p:txBody>
+      </p:sp>
+      <p:sp>
+        <p:nvSpPr>
+          <p:cNvPr id="33" name="TextBox 32">
+            <a:extLst>
+              <a:ext uri="{FF2B5EF4-FFF2-40B4-BE49-F238E27FC236}">
+                <a16:creationId xmlns:a16="http://schemas.microsoft.com/office/drawing/2014/main" id="{DBAD130F-F62E-E147-BFAF-AC4FCF237C1C}"/>
+              </a:ext>
+            </a:extLst>
+          </p:cNvPr>
+          <p:cNvSpPr txBox="1"/>
+          <p:nvPr/>
+        </p:nvSpPr>
+        <p:spPr>
+          <a:xfrm>
+            <a:off x="8255732" y="294912"/>
+            <a:ext cx="1697901" cy="738664"/>
           </a:xfrm>
           <a:prstGeom prst="rect">
             <a:avLst/>
@@ -3604,32 +3524,52 @@
           <a:solidFill>
             <a:schemeClr val="bg1"/>
           </a:solidFill>
+          <a:ln w="15875" cap="rnd">
+            <a:solidFill>
+              <a:srgbClr val="D6D6D6"/>
+            </a:solidFill>
+          </a:ln>
         </p:spPr>
         <p:txBody>
-          <a:bodyPr wrap="none">
+          <a:bodyPr wrap="none" rtlCol="0">
             <a:spAutoFit/>
           </a:bodyPr>
           <a:lstStyle/>
           <a:p>
             <a:r>
-              <a:rPr lang="en-US" sz="1600" dirty="0">
-                <a:solidFill>
-                  <a:srgbClr val="272727"/>
-                </a:solidFill>
+              <a:rPr lang="en-US" sz="1400" dirty="0">
                 <a:latin typeface="Arial" panose="020B0604020202020204" pitchFamily="34" charset="0"/>
                 <a:cs typeface="Arial" panose="020B0604020202020204" pitchFamily="34" charset="0"/>
               </a:rPr>
-              <a:t>1.0</a:t>
-            </a:r>
-          </a:p>
-        </p:txBody>
-      </p:sp>
-      <p:sp>
-        <p:nvSpPr>
-          <p:cNvPr id="25" name="Rectangle 24">
+              <a:t>     OC43 lineage A</a:t>
+            </a:r>
+          </a:p>
+          <a:p>
+            <a:r>
+              <a:rPr lang="en-US" sz="1400" dirty="0">
+                <a:latin typeface="Arial" panose="020B0604020202020204" pitchFamily="34" charset="0"/>
+                <a:cs typeface="Arial" panose="020B0604020202020204" pitchFamily="34" charset="0"/>
+              </a:rPr>
+              <a:t>     OC43 lineage B</a:t>
+            </a:r>
+          </a:p>
+          <a:p>
+            <a:r>
+              <a:rPr lang="en-US" sz="1400" dirty="0">
+                <a:latin typeface="Arial" panose="020B0604020202020204" pitchFamily="34" charset="0"/>
+                <a:cs typeface="Arial" panose="020B0604020202020204" pitchFamily="34" charset="0"/>
+              </a:rPr>
+              <a:t>     229E</a:t>
+            </a:r>
+          </a:p>
+        </p:txBody>
+      </p:sp>
+      <p:sp>
+        <p:nvSpPr>
+          <p:cNvPr id="34" name="Oval 33">
             <a:extLst>
               <a:ext uri="{FF2B5EF4-FFF2-40B4-BE49-F238E27FC236}">
-                <a16:creationId xmlns:a16="http://schemas.microsoft.com/office/drawing/2014/main" id="{B2CB6D8B-8A58-8149-8E02-2FDA5C8FBF4D}"/>
+                <a16:creationId xmlns:a16="http://schemas.microsoft.com/office/drawing/2014/main" id="{F163E947-821A-6C41-AE93-83CF5B8AF546}"/>
               </a:ext>
             </a:extLst>
           </p:cNvPr>
@@ -3638,41 +3578,55 @@
         </p:nvSpPr>
         <p:spPr>
           <a:xfrm>
-            <a:off x="558409" y="4271423"/>
-            <a:ext cx="470000" cy="338554"/>
+            <a:off x="8375266" y="384973"/>
+            <a:ext cx="146304" cy="146304"/>
           </a:xfrm>
-          <a:prstGeom prst="rect">
+          <a:prstGeom prst="ellipse">
             <a:avLst/>
           </a:prstGeom>
           <a:solidFill>
-            <a:schemeClr val="bg1"/>
+            <a:srgbClr val="CB4335"/>
           </a:solidFill>
+          <a:ln>
+            <a:noFill/>
+          </a:ln>
         </p:spPr>
-        <p:txBody>
-          <a:bodyPr wrap="none">
-            <a:spAutoFit/>
+        <p:style>
+          <a:lnRef idx="2">
+            <a:schemeClr val="accent1">
+              <a:shade val="50000"/>
+            </a:schemeClr>
+          </a:lnRef>
+          <a:fillRef idx="1">
+            <a:schemeClr val="accent1"/>
+          </a:fillRef>
+          <a:effectRef idx="0">
+            <a:schemeClr val="accent1"/>
+          </a:effectRef>
+          <a:fontRef idx="minor">
+            <a:schemeClr val="lt1"/>
+          </a:fontRef>
+        </p:style>
+        <p:txBody>
+          <a:bodyPr rot="0" spcFirstLastPara="0" vertOverflow="overflow" horzOverflow="overflow" vert="horz" wrap="square" lIns="91440" tIns="45720" rIns="91440" bIns="45720" numCol="1" spcCol="0" rtlCol="0" fromWordArt="0" anchor="ctr" anchorCtr="0" forceAA="0" compatLnSpc="1">
+            <a:prstTxWarp prst="textNoShape">
+              <a:avLst/>
+            </a:prstTxWarp>
+            <a:noAutofit/>
           </a:bodyPr>
           <a:lstStyle/>
           <a:p>
-            <a:r>
-              <a:rPr lang="en-US" sz="1600" dirty="0">
-                <a:solidFill>
-                  <a:srgbClr val="272727"/>
-                </a:solidFill>
-                <a:latin typeface="Arial" panose="020B0604020202020204" pitchFamily="34" charset="0"/>
-                <a:cs typeface="Arial" panose="020B0604020202020204" pitchFamily="34" charset="0"/>
-              </a:rPr>
-              <a:t>0.5</a:t>
-            </a:r>
-          </a:p>
-        </p:txBody>
-      </p:sp>
-      <p:sp>
-        <p:nvSpPr>
-          <p:cNvPr id="26" name="Rectangle 25">
+            <a:pPr algn="ctr"/>
+            <a:endParaRPr lang="en-US"/>
+          </a:p>
+        </p:txBody>
+      </p:sp>
+      <p:sp>
+        <p:nvSpPr>
+          <p:cNvPr id="35" name="Oval 34">
             <a:extLst>
               <a:ext uri="{FF2B5EF4-FFF2-40B4-BE49-F238E27FC236}">
-                <a16:creationId xmlns:a16="http://schemas.microsoft.com/office/drawing/2014/main" id="{B01355F1-4AD3-2647-9CB6-1B2A9EFE612D}"/>
+                <a16:creationId xmlns:a16="http://schemas.microsoft.com/office/drawing/2014/main" id="{15E223F1-2AF6-CA4C-88C9-68F484C4336D}"/>
               </a:ext>
             </a:extLst>
           </p:cNvPr>
@@ -3681,39 +3635,110 @@
         </p:nvSpPr>
         <p:spPr>
           <a:xfrm>
-            <a:off x="558409" y="5404834"/>
-            <a:ext cx="470000" cy="338554"/>
+            <a:off x="8375266" y="590002"/>
+            <a:ext cx="146304" cy="146304"/>
           </a:xfrm>
-          <a:prstGeom prst="rect">
+          <a:prstGeom prst="ellipse">
             <a:avLst/>
           </a:prstGeom>
           <a:solidFill>
-            <a:schemeClr val="bg1"/>
+            <a:srgbClr val="FF9A00"/>
           </a:solidFill>
+          <a:ln>
+            <a:noFill/>
+          </a:ln>
         </p:spPr>
-        <p:txBody>
-          <a:bodyPr wrap="none">
-            <a:spAutoFit/>
+        <p:style>
+          <a:lnRef idx="2">
+            <a:schemeClr val="accent1">
+              <a:shade val="50000"/>
+            </a:schemeClr>
+          </a:lnRef>
+          <a:fillRef idx="1">
+            <a:schemeClr val="accent1"/>
+          </a:fillRef>
+          <a:effectRef idx="0">
+            <a:schemeClr val="accent1"/>
+          </a:effectRef>
+          <a:fontRef idx="minor">
+            <a:schemeClr val="lt1"/>
+          </a:fontRef>
+        </p:style>
+        <p:txBody>
+          <a:bodyPr rot="0" spcFirstLastPara="0" vertOverflow="overflow" horzOverflow="overflow" vert="horz" wrap="square" lIns="91440" tIns="45720" rIns="91440" bIns="45720" numCol="1" spcCol="0" rtlCol="0" fromWordArt="0" anchor="ctr" anchorCtr="0" forceAA="0" compatLnSpc="1">
+            <a:prstTxWarp prst="textNoShape">
+              <a:avLst/>
+            </a:prstTxWarp>
+            <a:noAutofit/>
           </a:bodyPr>
           <a:lstStyle/>
           <a:p>
-            <a:r>
-              <a:rPr lang="en-US" sz="1600" dirty="0">
-                <a:solidFill>
-                  <a:srgbClr val="272727"/>
-                </a:solidFill>
-                <a:latin typeface="Arial" panose="020B0604020202020204" pitchFamily="34" charset="0"/>
-                <a:cs typeface="Arial" panose="020B0604020202020204" pitchFamily="34" charset="0"/>
-              </a:rPr>
-              <a:t>0.0</a:t>
-            </a:r>
+            <a:pPr algn="ctr"/>
+            <a:endParaRPr lang="en-US"/>
+          </a:p>
+        </p:txBody>
+      </p:sp>
+      <p:sp>
+        <p:nvSpPr>
+          <p:cNvPr id="36" name="Oval 35">
+            <a:extLst>
+              <a:ext uri="{FF2B5EF4-FFF2-40B4-BE49-F238E27FC236}">
+                <a16:creationId xmlns:a16="http://schemas.microsoft.com/office/drawing/2014/main" id="{ACE4CCEA-8608-0042-8369-E6E6468F6011}"/>
+              </a:ext>
+            </a:extLst>
+          </p:cNvPr>
+          <p:cNvSpPr/>
+          <p:nvPr/>
+        </p:nvSpPr>
+        <p:spPr>
+          <a:xfrm>
+            <a:off x="8375266" y="795031"/>
+            <a:ext cx="146304" cy="146304"/>
+          </a:xfrm>
+          <a:prstGeom prst="ellipse">
+            <a:avLst/>
+          </a:prstGeom>
+          <a:solidFill>
+            <a:srgbClr val="2E86C1"/>
+          </a:solidFill>
+          <a:ln>
+            <a:noFill/>
+          </a:ln>
+        </p:spPr>
+        <p:style>
+          <a:lnRef idx="2">
+            <a:schemeClr val="accent1">
+              <a:shade val="50000"/>
+            </a:schemeClr>
+          </a:lnRef>
+          <a:fillRef idx="1">
+            <a:schemeClr val="accent1"/>
+          </a:fillRef>
+          <a:effectRef idx="0">
+            <a:schemeClr val="accent1"/>
+          </a:effectRef>
+          <a:fontRef idx="minor">
+            <a:schemeClr val="lt1"/>
+          </a:fontRef>
+        </p:style>
+        <p:txBody>
+          <a:bodyPr rot="0" spcFirstLastPara="0" vertOverflow="overflow" horzOverflow="overflow" vert="horz" wrap="square" lIns="91440" tIns="45720" rIns="91440" bIns="45720" numCol="1" spcCol="0" rtlCol="0" fromWordArt="0" anchor="ctr" anchorCtr="0" forceAA="0" compatLnSpc="1">
+            <a:prstTxWarp prst="textNoShape">
+              <a:avLst/>
+            </a:prstTxWarp>
+            <a:noAutofit/>
+          </a:bodyPr>
+          <a:lstStyle/>
+          <a:p>
+            <a:pPr algn="ctr"/>
+            <a:endParaRPr lang="en-US"/>
           </a:p>
         </p:txBody>
       </p:sp>
     </p:spTree>
     <p:extLst>
       <p:ext uri="{BB962C8B-B14F-4D97-AF65-F5344CB8AC3E}">
-        <p14:creationId xmlns:p14="http://schemas.microsoft.com/office/powerpoint/2010/main" val="2448537816"/>
+        <p14:creationId xmlns:p14="http://schemas.microsoft.com/office/powerpoint/2010/main" val="229850298"/>
       </p:ext>
     </p:extLst>
   </p:cSld>
